--- a/Obhajoba.pptx
+++ b/Obhajoba.pptx
@@ -5,50 +5,52 @@
     <p:sldMasterId id="2147483675" r:id="rId1"/>
   </p:sldMasterIdLst>
   <p:notesMasterIdLst>
-    <p:notesMasterId r:id="rId12"/>
+    <p:notesMasterId r:id="rId14"/>
   </p:notesMasterIdLst>
   <p:sldIdLst>
     <p:sldId id="261" r:id="rId2"/>
     <p:sldId id="306" r:id="rId3"/>
     <p:sldId id="265" r:id="rId4"/>
     <p:sldId id="258" r:id="rId5"/>
-    <p:sldId id="303" r:id="rId6"/>
-    <p:sldId id="304" r:id="rId7"/>
-    <p:sldId id="307" r:id="rId8"/>
-    <p:sldId id="305" r:id="rId9"/>
-    <p:sldId id="263" r:id="rId10"/>
-    <p:sldId id="275" r:id="rId11"/>
+    <p:sldId id="309" r:id="rId6"/>
+    <p:sldId id="310" r:id="rId7"/>
+    <p:sldId id="303" r:id="rId8"/>
+    <p:sldId id="304" r:id="rId9"/>
+    <p:sldId id="307" r:id="rId10"/>
+    <p:sldId id="305" r:id="rId11"/>
+    <p:sldId id="263" r:id="rId12"/>
+    <p:sldId id="275" r:id="rId13"/>
   </p:sldIdLst>
   <p:sldSz cx="9144000" cy="5143500" type="screen16x9"/>
   <p:notesSz cx="6858000" cy="9144000"/>
   <p:embeddedFontLst>
     <p:embeddedFont>
       <p:font typeface="Arvo" panose="020B0604020202020204" charset="0"/>
-      <p:regular r:id="rId13"/>
-      <p:bold r:id="rId14"/>
-      <p:italic r:id="rId15"/>
-      <p:boldItalic r:id="rId16"/>
+      <p:regular r:id="rId15"/>
+      <p:bold r:id="rId16"/>
+      <p:italic r:id="rId17"/>
+      <p:boldItalic r:id="rId18"/>
     </p:embeddedFont>
     <p:embeddedFont>
       <p:font typeface="Ubuntu" panose="020B0604020202020204" charset="0"/>
-      <p:regular r:id="rId17"/>
-      <p:bold r:id="rId18"/>
-      <p:italic r:id="rId19"/>
-      <p:boldItalic r:id="rId20"/>
+      <p:regular r:id="rId19"/>
+      <p:bold r:id="rId20"/>
+      <p:italic r:id="rId21"/>
+      <p:boldItalic r:id="rId22"/>
     </p:embeddedFont>
     <p:embeddedFont>
       <p:font typeface="Ubuntu Light" panose="020B0604020202020204" charset="0"/>
-      <p:regular r:id="rId21"/>
-      <p:bold r:id="rId22"/>
-      <p:italic r:id="rId23"/>
-      <p:boldItalic r:id="rId24"/>
+      <p:regular r:id="rId23"/>
+      <p:bold r:id="rId24"/>
+      <p:italic r:id="rId25"/>
+      <p:boldItalic r:id="rId26"/>
     </p:embeddedFont>
     <p:embeddedFont>
       <p:font typeface="Ubuntu Medium" panose="020B0604020202020204" charset="0"/>
-      <p:regular r:id="rId25"/>
-      <p:bold r:id="rId26"/>
-      <p:italic r:id="rId27"/>
-      <p:boldItalic r:id="rId28"/>
+      <p:regular r:id="rId27"/>
+      <p:bold r:id="rId28"/>
+      <p:italic r:id="rId29"/>
+      <p:boldItalic r:id="rId30"/>
     </p:embeddedFont>
   </p:embeddedFontLst>
   <p:defaultTextStyle>
@@ -294,6 +296,11 @@
           </p15:clr>
         </p15:guide>
         <p15:guide id="3" orient="horz" pos="2871">
+          <p15:clr>
+            <a:srgbClr val="A4A3A4"/>
+          </p15:clr>
+        </p15:guide>
+        <p15:guide id="4" pos="2880">
           <p15:clr>
             <a:srgbClr val="A4A3A4"/>
           </p15:clr>
@@ -1167,6 +1174,138 @@
 </file>
 
 <file path=ppt/notesSlides/notesSlide5.xml><?xml version="1.0" encoding="utf-8"?>
+<p:notes xmlns:a="http://schemas.openxmlformats.org/drawingml/2006/main" xmlns:r="http://schemas.openxmlformats.org/officeDocument/2006/relationships" xmlns:p="http://schemas.openxmlformats.org/presentationml/2006/main">
+  <p:cSld>
+    <p:spTree>
+      <p:nvGrpSpPr>
+        <p:cNvPr id="1" name=""/>
+        <p:cNvGrpSpPr/>
+        <p:nvPr/>
+      </p:nvGrpSpPr>
+      <p:grpSpPr>
+        <a:xfrm>
+          <a:off x="0" y="0"/>
+          <a:ext cx="0" cy="0"/>
+          <a:chOff x="0" y="0"/>
+          <a:chExt cx="0" cy="0"/>
+        </a:xfrm>
+      </p:grpSpPr>
+      <p:sp>
+        <p:nvSpPr>
+          <p:cNvPr id="2" name="Zástupný objekt pre obrázok snímky 1"/>
+          <p:cNvSpPr>
+            <a:spLocks noGrp="1" noRot="1" noChangeAspect="1"/>
+          </p:cNvSpPr>
+          <p:nvPr>
+            <p:ph type="sldImg"/>
+          </p:nvPr>
+        </p:nvSpPr>
+        <p:spPr>
+          <a:xfrm>
+            <a:off x="381000" y="685800"/>
+            <a:ext cx="6096000" cy="3429000"/>
+          </a:xfrm>
+        </p:spPr>
+      </p:sp>
+      <p:sp>
+        <p:nvSpPr>
+          <p:cNvPr id="3" name="Zástupný objekt pre poznámky 2"/>
+          <p:cNvSpPr>
+            <a:spLocks noGrp="1"/>
+          </p:cNvSpPr>
+          <p:nvPr>
+            <p:ph type="body" idx="1"/>
+          </p:nvPr>
+        </p:nvSpPr>
+        <p:spPr/>
+        <p:txBody>
+          <a:bodyPr/>
+          <a:lstStyle/>
+          <a:p>
+            <a:endParaRPr lang="sk-SK" dirty="0"/>
+          </a:p>
+        </p:txBody>
+      </p:sp>
+    </p:spTree>
+    <p:extLst>
+      <p:ext uri="{BB962C8B-B14F-4D97-AF65-F5344CB8AC3E}">
+        <p14:creationId xmlns:p14="http://schemas.microsoft.com/office/powerpoint/2010/main" val="2884283302"/>
+      </p:ext>
+    </p:extLst>
+  </p:cSld>
+  <p:clrMapOvr>
+    <a:masterClrMapping/>
+  </p:clrMapOvr>
+</p:notes>
+</file>
+
+<file path=ppt/notesSlides/notesSlide6.xml><?xml version="1.0" encoding="utf-8"?>
+<p:notes xmlns:a="http://schemas.openxmlformats.org/drawingml/2006/main" xmlns:r="http://schemas.openxmlformats.org/officeDocument/2006/relationships" xmlns:p="http://schemas.openxmlformats.org/presentationml/2006/main">
+  <p:cSld>
+    <p:spTree>
+      <p:nvGrpSpPr>
+        <p:cNvPr id="1" name=""/>
+        <p:cNvGrpSpPr/>
+        <p:nvPr/>
+      </p:nvGrpSpPr>
+      <p:grpSpPr>
+        <a:xfrm>
+          <a:off x="0" y="0"/>
+          <a:ext cx="0" cy="0"/>
+          <a:chOff x="0" y="0"/>
+          <a:chExt cx="0" cy="0"/>
+        </a:xfrm>
+      </p:grpSpPr>
+      <p:sp>
+        <p:nvSpPr>
+          <p:cNvPr id="2" name="Zástupný objekt pre obrázok snímky 1"/>
+          <p:cNvSpPr>
+            <a:spLocks noGrp="1" noRot="1" noChangeAspect="1"/>
+          </p:cNvSpPr>
+          <p:nvPr>
+            <p:ph type="sldImg"/>
+          </p:nvPr>
+        </p:nvSpPr>
+        <p:spPr>
+          <a:xfrm>
+            <a:off x="381000" y="685800"/>
+            <a:ext cx="6096000" cy="3429000"/>
+          </a:xfrm>
+        </p:spPr>
+      </p:sp>
+      <p:sp>
+        <p:nvSpPr>
+          <p:cNvPr id="3" name="Zástupný objekt pre poznámky 2"/>
+          <p:cNvSpPr>
+            <a:spLocks noGrp="1"/>
+          </p:cNvSpPr>
+          <p:nvPr>
+            <p:ph type="body" idx="1"/>
+          </p:nvPr>
+        </p:nvSpPr>
+        <p:spPr/>
+        <p:txBody>
+          <a:bodyPr/>
+          <a:lstStyle/>
+          <a:p>
+            <a:endParaRPr lang="sk-SK" dirty="0"/>
+          </a:p>
+        </p:txBody>
+      </p:sp>
+    </p:spTree>
+    <p:extLst>
+      <p:ext uri="{BB962C8B-B14F-4D97-AF65-F5344CB8AC3E}">
+        <p14:creationId xmlns:p14="http://schemas.microsoft.com/office/powerpoint/2010/main" val="1051855382"/>
+      </p:ext>
+    </p:extLst>
+  </p:cSld>
+  <p:clrMapOvr>
+    <a:masterClrMapping/>
+  </p:clrMapOvr>
+</p:notes>
+</file>
+
+<file path=ppt/notesSlides/notesSlide7.xml><?xml version="1.0" encoding="utf-8"?>
 <p:notes xmlns:a="http://schemas.openxmlformats.org/drawingml/2006/main" xmlns:r="http://schemas.openxmlformats.org/officeDocument/2006/relationships" xmlns:p="http://schemas.openxmlformats.org/presentationml/2006/main" showMasterSp="0" showMasterPhAnim="0">
   <p:cSld>
     <p:spTree>
@@ -1275,7 +1414,7 @@
 </p:notes>
 </file>
 
-<file path=ppt/notesSlides/notesSlide6.xml><?xml version="1.0" encoding="utf-8"?>
+<file path=ppt/notesSlides/notesSlide8.xml><?xml version="1.0" encoding="utf-8"?>
 <p:notes xmlns:a="http://schemas.openxmlformats.org/drawingml/2006/main" xmlns:r="http://schemas.openxmlformats.org/officeDocument/2006/relationships" xmlns:p="http://schemas.openxmlformats.org/presentationml/2006/main" showMasterSp="0" showMasterPhAnim="0">
   <p:cSld>
     <p:spTree>
@@ -1379,7 +1518,7 @@
 </p:notes>
 </file>
 
-<file path=ppt/notesSlides/notesSlide7.xml><?xml version="1.0" encoding="utf-8"?>
+<file path=ppt/notesSlides/notesSlide9.xml><?xml version="1.0" encoding="utf-8"?>
 <p:notes xmlns:a="http://schemas.openxmlformats.org/drawingml/2006/main" xmlns:r="http://schemas.openxmlformats.org/officeDocument/2006/relationships" xmlns:p="http://schemas.openxmlformats.org/presentationml/2006/main" showMasterSp="0" showMasterPhAnim="0">
   <p:cSld>
     <p:spTree>
@@ -7850,6 +7989,933 @@
   <p:cSld>
     <p:spTree>
       <p:nvGrpSpPr>
+        <p:cNvPr id="1" name=""/>
+        <p:cNvGrpSpPr/>
+        <p:nvPr/>
+      </p:nvGrpSpPr>
+      <p:grpSpPr>
+        <a:xfrm>
+          <a:off x="0" y="0"/>
+          <a:ext cx="0" cy="0"/>
+          <a:chOff x="0" y="0"/>
+          <a:chExt cx="0" cy="0"/>
+        </a:xfrm>
+      </p:grpSpPr>
+      <p:sp>
+        <p:nvSpPr>
+          <p:cNvPr id="3" name="Google Shape;210;p32">
+            <a:extLst>
+              <a:ext uri="{FF2B5EF4-FFF2-40B4-BE49-F238E27FC236}">
+                <a16:creationId xmlns:a16="http://schemas.microsoft.com/office/drawing/2014/main" id="{689848E9-F851-48AC-B123-47EFD54F9B46}"/>
+              </a:ext>
+            </a:extLst>
+          </p:cNvPr>
+          <p:cNvSpPr txBox="1">
+            <a:spLocks/>
+          </p:cNvSpPr>
+          <p:nvPr/>
+        </p:nvSpPr>
+        <p:spPr>
+          <a:xfrm>
+            <a:off x="568619" y="199785"/>
+            <a:ext cx="7614162" cy="686854"/>
+          </a:xfrm>
+          <a:prstGeom prst="rect">
+            <a:avLst/>
+          </a:prstGeom>
+          <a:ln>
+            <a:solidFill>
+              <a:schemeClr val="bg1"/>
+            </a:solidFill>
+          </a:ln>
+        </p:spPr>
+        <p:txBody>
+          <a:bodyPr spcFirstLastPara="1" wrap="square" lIns="91425" tIns="91425" rIns="91425" bIns="91425" anchor="b" anchorCtr="0">
+            <a:noAutofit/>
+          </a:bodyPr>
+          <a:lstStyle>
+            <a:defPPr marR="0" lvl="0" algn="l" rtl="0">
+              <a:lnSpc>
+                <a:spcPct val="100000"/>
+              </a:lnSpc>
+              <a:spcBef>
+                <a:spcPts val="0"/>
+              </a:spcBef>
+              <a:spcAft>
+                <a:spcPts val="0"/>
+              </a:spcAft>
+            </a:defPPr>
+            <a:lvl1pPr marR="0" lvl="0" algn="l" rtl="0">
+              <a:lnSpc>
+                <a:spcPct val="100000"/>
+              </a:lnSpc>
+              <a:spcBef>
+                <a:spcPts val="0"/>
+              </a:spcBef>
+              <a:spcAft>
+                <a:spcPts val="0"/>
+              </a:spcAft>
+              <a:buClr>
+                <a:srgbClr val="000000"/>
+              </a:buClr>
+              <a:buFont typeface="Arial"/>
+              <a:defRPr sz="1400" b="0" i="0" u="none" strike="noStrike" cap="none">
+                <a:solidFill>
+                  <a:srgbClr val="000000"/>
+                </a:solidFill>
+                <a:latin typeface="Arial"/>
+                <a:ea typeface="Arial"/>
+                <a:cs typeface="Arial"/>
+                <a:sym typeface="Arial"/>
+              </a:defRPr>
+            </a:lvl1pPr>
+            <a:lvl2pPr marR="0" lvl="1" algn="l" rtl="0">
+              <a:lnSpc>
+                <a:spcPct val="100000"/>
+              </a:lnSpc>
+              <a:spcBef>
+                <a:spcPts val="0"/>
+              </a:spcBef>
+              <a:spcAft>
+                <a:spcPts val="0"/>
+              </a:spcAft>
+              <a:buClr>
+                <a:srgbClr val="000000"/>
+              </a:buClr>
+              <a:buFont typeface="Arial"/>
+              <a:defRPr sz="1400" b="0" i="0" u="none" strike="noStrike" cap="none">
+                <a:solidFill>
+                  <a:srgbClr val="000000"/>
+                </a:solidFill>
+                <a:latin typeface="Arial"/>
+                <a:ea typeface="Arial"/>
+                <a:cs typeface="Arial"/>
+                <a:sym typeface="Arial"/>
+              </a:defRPr>
+            </a:lvl2pPr>
+            <a:lvl3pPr marR="0" lvl="2" algn="l" rtl="0">
+              <a:lnSpc>
+                <a:spcPct val="100000"/>
+              </a:lnSpc>
+              <a:spcBef>
+                <a:spcPts val="0"/>
+              </a:spcBef>
+              <a:spcAft>
+                <a:spcPts val="0"/>
+              </a:spcAft>
+              <a:buClr>
+                <a:srgbClr val="000000"/>
+              </a:buClr>
+              <a:buFont typeface="Arial"/>
+              <a:defRPr sz="1400" b="0" i="0" u="none" strike="noStrike" cap="none">
+                <a:solidFill>
+                  <a:srgbClr val="000000"/>
+                </a:solidFill>
+                <a:latin typeface="Arial"/>
+                <a:ea typeface="Arial"/>
+                <a:cs typeface="Arial"/>
+                <a:sym typeface="Arial"/>
+              </a:defRPr>
+            </a:lvl3pPr>
+            <a:lvl4pPr marR="0" lvl="3" algn="l" rtl="0">
+              <a:lnSpc>
+                <a:spcPct val="100000"/>
+              </a:lnSpc>
+              <a:spcBef>
+                <a:spcPts val="0"/>
+              </a:spcBef>
+              <a:spcAft>
+                <a:spcPts val="0"/>
+              </a:spcAft>
+              <a:buClr>
+                <a:srgbClr val="000000"/>
+              </a:buClr>
+              <a:buFont typeface="Arial"/>
+              <a:defRPr sz="1400" b="0" i="0" u="none" strike="noStrike" cap="none">
+                <a:solidFill>
+                  <a:srgbClr val="000000"/>
+                </a:solidFill>
+                <a:latin typeface="Arial"/>
+                <a:ea typeface="Arial"/>
+                <a:cs typeface="Arial"/>
+                <a:sym typeface="Arial"/>
+              </a:defRPr>
+            </a:lvl4pPr>
+            <a:lvl5pPr marR="0" lvl="4" algn="l" rtl="0">
+              <a:lnSpc>
+                <a:spcPct val="100000"/>
+              </a:lnSpc>
+              <a:spcBef>
+                <a:spcPts val="0"/>
+              </a:spcBef>
+              <a:spcAft>
+                <a:spcPts val="0"/>
+              </a:spcAft>
+              <a:buClr>
+                <a:srgbClr val="000000"/>
+              </a:buClr>
+              <a:buFont typeface="Arial"/>
+              <a:defRPr sz="1400" b="0" i="0" u="none" strike="noStrike" cap="none">
+                <a:solidFill>
+                  <a:srgbClr val="000000"/>
+                </a:solidFill>
+                <a:latin typeface="Arial"/>
+                <a:ea typeface="Arial"/>
+                <a:cs typeface="Arial"/>
+                <a:sym typeface="Arial"/>
+              </a:defRPr>
+            </a:lvl5pPr>
+            <a:lvl6pPr marR="0" lvl="5" algn="l" rtl="0">
+              <a:lnSpc>
+                <a:spcPct val="100000"/>
+              </a:lnSpc>
+              <a:spcBef>
+                <a:spcPts val="0"/>
+              </a:spcBef>
+              <a:spcAft>
+                <a:spcPts val="0"/>
+              </a:spcAft>
+              <a:buClr>
+                <a:srgbClr val="000000"/>
+              </a:buClr>
+              <a:buFont typeface="Arial"/>
+              <a:defRPr sz="1400" b="0" i="0" u="none" strike="noStrike" cap="none">
+                <a:solidFill>
+                  <a:srgbClr val="000000"/>
+                </a:solidFill>
+                <a:latin typeface="Arial"/>
+                <a:ea typeface="Arial"/>
+                <a:cs typeface="Arial"/>
+                <a:sym typeface="Arial"/>
+              </a:defRPr>
+            </a:lvl6pPr>
+            <a:lvl7pPr marR="0" lvl="6" algn="l" rtl="0">
+              <a:lnSpc>
+                <a:spcPct val="100000"/>
+              </a:lnSpc>
+              <a:spcBef>
+                <a:spcPts val="0"/>
+              </a:spcBef>
+              <a:spcAft>
+                <a:spcPts val="0"/>
+              </a:spcAft>
+              <a:buClr>
+                <a:srgbClr val="000000"/>
+              </a:buClr>
+              <a:buFont typeface="Arial"/>
+              <a:defRPr sz="1400" b="0" i="0" u="none" strike="noStrike" cap="none">
+                <a:solidFill>
+                  <a:srgbClr val="000000"/>
+                </a:solidFill>
+                <a:latin typeface="Arial"/>
+                <a:ea typeface="Arial"/>
+                <a:cs typeface="Arial"/>
+                <a:sym typeface="Arial"/>
+              </a:defRPr>
+            </a:lvl7pPr>
+            <a:lvl8pPr marR="0" lvl="7" algn="l" rtl="0">
+              <a:lnSpc>
+                <a:spcPct val="100000"/>
+              </a:lnSpc>
+              <a:spcBef>
+                <a:spcPts val="0"/>
+              </a:spcBef>
+              <a:spcAft>
+                <a:spcPts val="0"/>
+              </a:spcAft>
+              <a:buClr>
+                <a:srgbClr val="000000"/>
+              </a:buClr>
+              <a:buFont typeface="Arial"/>
+              <a:defRPr sz="1400" b="0" i="0" u="none" strike="noStrike" cap="none">
+                <a:solidFill>
+                  <a:srgbClr val="000000"/>
+                </a:solidFill>
+                <a:latin typeface="Arial"/>
+                <a:ea typeface="Arial"/>
+                <a:cs typeface="Arial"/>
+                <a:sym typeface="Arial"/>
+              </a:defRPr>
+            </a:lvl8pPr>
+            <a:lvl9pPr marR="0" lvl="8" algn="l" rtl="0">
+              <a:lnSpc>
+                <a:spcPct val="100000"/>
+              </a:lnSpc>
+              <a:spcBef>
+                <a:spcPts val="0"/>
+              </a:spcBef>
+              <a:spcAft>
+                <a:spcPts val="0"/>
+              </a:spcAft>
+              <a:buClr>
+                <a:srgbClr val="000000"/>
+              </a:buClr>
+              <a:buFont typeface="Arial"/>
+              <a:defRPr sz="1400" b="0" i="0" u="none" strike="noStrike" cap="none">
+                <a:solidFill>
+                  <a:srgbClr val="000000"/>
+                </a:solidFill>
+                <a:latin typeface="Arial"/>
+                <a:ea typeface="Arial"/>
+                <a:cs typeface="Arial"/>
+                <a:sym typeface="Arial"/>
+              </a:defRPr>
+            </a:lvl9pPr>
+          </a:lstStyle>
+          <a:p>
+            <a:r>
+              <a:rPr lang="sk-SK" sz="2800" b="1" dirty="0">
+                <a:solidFill>
+                  <a:schemeClr val="tx2">
+                    <a:lumMod val="50000"/>
+                  </a:schemeClr>
+                </a:solidFill>
+                <a:latin typeface="Ubuntu" panose="020B0604020202020204" charset="0"/>
+              </a:rPr>
+              <a:t>Testovanie</a:t>
+            </a:r>
+          </a:p>
+        </p:txBody>
+      </p:sp>
+      <p:cxnSp>
+        <p:nvCxnSpPr>
+          <p:cNvPr id="12" name="Google Shape;213;p32">
+            <a:extLst>
+              <a:ext uri="{FF2B5EF4-FFF2-40B4-BE49-F238E27FC236}">
+                <a16:creationId xmlns:a16="http://schemas.microsoft.com/office/drawing/2014/main" id="{8F91F715-39AB-4DCF-8148-3F97B85BA848}"/>
+              </a:ext>
+            </a:extLst>
+          </p:cNvPr>
+          <p:cNvCxnSpPr>
+            <a:cxnSpLocks/>
+          </p:cNvCxnSpPr>
+          <p:nvPr/>
+        </p:nvCxnSpPr>
+        <p:spPr>
+          <a:xfrm flipV="1">
+            <a:off x="686209" y="886639"/>
+            <a:ext cx="1872574" cy="1"/>
+          </a:xfrm>
+          <a:prstGeom prst="straightConnector1">
+            <a:avLst/>
+          </a:prstGeom>
+          <a:noFill/>
+          <a:ln w="76200" cap="flat" cmpd="sng">
+            <a:solidFill>
+              <a:schemeClr val="accent1"/>
+            </a:solidFill>
+            <a:prstDash val="solid"/>
+            <a:round/>
+            <a:headEnd type="none" w="med" len="med"/>
+            <a:tailEnd type="none" w="med" len="med"/>
+          </a:ln>
+        </p:spPr>
+      </p:cxnSp>
+      <p:pic>
+        <p:nvPicPr>
+          <p:cNvPr id="6" name="Obrázok 5" descr="Obrázok, na ktorom je kreslenie&#10;&#10;Automaticky generovaný popis">
+            <a:extLst>
+              <a:ext uri="{FF2B5EF4-FFF2-40B4-BE49-F238E27FC236}">
+                <a16:creationId xmlns:a16="http://schemas.microsoft.com/office/drawing/2014/main" id="{3A019868-922F-4B61-AB7A-968D428E5F4D}"/>
+              </a:ext>
+            </a:extLst>
+          </p:cNvPr>
+          <p:cNvPicPr>
+            <a:picLocks noChangeAspect="1"/>
+          </p:cNvPicPr>
+          <p:nvPr/>
+        </p:nvPicPr>
+        <p:blipFill>
+          <a:blip r:embed="rId2"/>
+          <a:stretch>
+            <a:fillRect/>
+          </a:stretch>
+        </p:blipFill>
+        <p:spPr>
+          <a:xfrm>
+            <a:off x="686209" y="2898321"/>
+            <a:ext cx="3711383" cy="1855692"/>
+          </a:xfrm>
+          <a:prstGeom prst="rect">
+            <a:avLst/>
+          </a:prstGeom>
+        </p:spPr>
+      </p:pic>
+      <p:pic>
+        <p:nvPicPr>
+          <p:cNvPr id="13" name="Obrázok 12">
+            <a:extLst>
+              <a:ext uri="{FF2B5EF4-FFF2-40B4-BE49-F238E27FC236}">
+                <a16:creationId xmlns:a16="http://schemas.microsoft.com/office/drawing/2014/main" id="{055563E6-5AD0-4BD6-9F6F-481116255EEB}"/>
+              </a:ext>
+            </a:extLst>
+          </p:cNvPr>
+          <p:cNvPicPr>
+            <a:picLocks noChangeAspect="1"/>
+          </p:cNvPicPr>
+          <p:nvPr/>
+        </p:nvPicPr>
+        <p:blipFill>
+          <a:blip r:embed="rId3"/>
+          <a:stretch>
+            <a:fillRect/>
+          </a:stretch>
+        </p:blipFill>
+        <p:spPr>
+          <a:xfrm>
+            <a:off x="4746410" y="2876222"/>
+            <a:ext cx="3995697" cy="1899890"/>
+          </a:xfrm>
+          <a:prstGeom prst="rect">
+            <a:avLst/>
+          </a:prstGeom>
+        </p:spPr>
+      </p:pic>
+      <p:sp>
+        <p:nvSpPr>
+          <p:cNvPr id="14" name="BlokTextu 13">
+            <a:extLst>
+              <a:ext uri="{FF2B5EF4-FFF2-40B4-BE49-F238E27FC236}">
+                <a16:creationId xmlns:a16="http://schemas.microsoft.com/office/drawing/2014/main" id="{31880CFE-3B56-4CFD-8EC4-8D17F769EF04}"/>
+              </a:ext>
+            </a:extLst>
+          </p:cNvPr>
+          <p:cNvSpPr txBox="1"/>
+          <p:nvPr/>
+        </p:nvSpPr>
+        <p:spPr>
+          <a:xfrm>
+            <a:off x="686209" y="1175657"/>
+            <a:ext cx="8204218" cy="1477328"/>
+          </a:xfrm>
+          <a:prstGeom prst="rect">
+            <a:avLst/>
+          </a:prstGeom>
+          <a:noFill/>
+        </p:spPr>
+        <p:txBody>
+          <a:bodyPr wrap="square" rtlCol="0">
+            <a:spAutoFit/>
+          </a:bodyPr>
+          <a:lstStyle/>
+          <a:p>
+            <a:r>
+              <a:rPr lang="sk-SK" sz="1800" dirty="0">
+                <a:solidFill>
+                  <a:schemeClr val="tx2"/>
+                </a:solidFill>
+                <a:latin typeface="Ubuntu Light" panose="020B0604020202020204" charset="0"/>
+              </a:rPr>
+              <a:t>-online hodiny cez </a:t>
+            </a:r>
+            <a:r>
+              <a:rPr lang="sk-SK" sz="1800" dirty="0" err="1">
+                <a:solidFill>
+                  <a:schemeClr val="tx2"/>
+                </a:solidFill>
+                <a:latin typeface="Ubuntu Light" panose="020B0604020202020204" charset="0"/>
+              </a:rPr>
+              <a:t>Teams</a:t>
+            </a:r>
+            <a:endParaRPr lang="sk-SK" sz="1800" dirty="0">
+              <a:solidFill>
+                <a:schemeClr val="tx2"/>
+              </a:solidFill>
+              <a:latin typeface="Ubuntu Light" panose="020B0604020202020204" charset="0"/>
+            </a:endParaRPr>
+          </a:p>
+          <a:p>
+            <a:endParaRPr lang="sk-SK" sz="1800" dirty="0">
+              <a:solidFill>
+                <a:schemeClr val="tx2"/>
+              </a:solidFill>
+              <a:latin typeface="Ubuntu Light" panose="020B0604020202020204" charset="0"/>
+            </a:endParaRPr>
+          </a:p>
+          <a:p>
+            <a:r>
+              <a:rPr lang="sk-SK" sz="1800" dirty="0">
+                <a:solidFill>
+                  <a:schemeClr val="tx2"/>
+                </a:solidFill>
+                <a:latin typeface="Ubuntu Light" panose="020B0604020202020204" charset="0"/>
+              </a:rPr>
+              <a:t>-potreba inštruktážneho videa a manuálu na hru</a:t>
+            </a:r>
+          </a:p>
+          <a:p>
+            <a:endParaRPr lang="sk-SK" sz="1800" dirty="0">
+              <a:solidFill>
+                <a:schemeClr val="tx2"/>
+              </a:solidFill>
+              <a:latin typeface="Ubuntu Light" panose="020B0604020202020204" charset="0"/>
+            </a:endParaRPr>
+          </a:p>
+          <a:p>
+            <a:r>
+              <a:rPr lang="sk-SK" sz="1800" dirty="0">
+                <a:solidFill>
+                  <a:schemeClr val="tx2"/>
+                </a:solidFill>
+                <a:latin typeface="Ubuntu Light" panose="020B0604020202020204" charset="0"/>
+              </a:rPr>
+              <a:t>-skutočná cieľová skupina sú vyššie ročníky ako sme mienili</a:t>
+            </a:r>
+          </a:p>
+        </p:txBody>
+      </p:sp>
+    </p:spTree>
+    <p:extLst>
+      <p:ext uri="{BB962C8B-B14F-4D97-AF65-F5344CB8AC3E}">
+        <p14:creationId xmlns:p14="http://schemas.microsoft.com/office/powerpoint/2010/main" val="2108484316"/>
+      </p:ext>
+    </p:extLst>
+  </p:cSld>
+  <p:clrMapOvr>
+    <a:masterClrMapping/>
+  </p:clrMapOvr>
+</p:sld>
+</file>
+
+<file path=ppt/slides/slide11.xml><?xml version="1.0" encoding="utf-8"?>
+<p:sld xmlns:a="http://schemas.openxmlformats.org/drawingml/2006/main" xmlns:r="http://schemas.openxmlformats.org/officeDocument/2006/relationships" xmlns:p="http://schemas.openxmlformats.org/presentationml/2006/main">
+  <p:cSld>
+    <p:spTree>
+      <p:nvGrpSpPr>
+        <p:cNvPr id="1" name="Shape 245"/>
+        <p:cNvGrpSpPr/>
+        <p:nvPr/>
+      </p:nvGrpSpPr>
+      <p:grpSpPr>
+        <a:xfrm>
+          <a:off x="0" y="0"/>
+          <a:ext cx="0" cy="0"/>
+          <a:chOff x="0" y="0"/>
+          <a:chExt cx="0" cy="0"/>
+        </a:xfrm>
+      </p:grpSpPr>
+      <p:sp>
+        <p:nvSpPr>
+          <p:cNvPr id="246" name="Google Shape;246;p37"/>
+          <p:cNvSpPr txBox="1">
+            <a:spLocks noGrp="1"/>
+          </p:cNvSpPr>
+          <p:nvPr>
+            <p:ph type="title" idx="4"/>
+          </p:nvPr>
+        </p:nvSpPr>
+        <p:spPr>
+          <a:xfrm>
+            <a:off x="-11850" y="927075"/>
+            <a:ext cx="9144000" cy="482400"/>
+          </a:xfrm>
+          <a:prstGeom prst="rect">
+            <a:avLst/>
+          </a:prstGeom>
+        </p:spPr>
+        <p:txBody>
+          <a:bodyPr spcFirstLastPara="1" wrap="square" lIns="91425" tIns="91425" rIns="91425" bIns="91425" anchor="t" anchorCtr="0">
+            <a:noAutofit/>
+          </a:bodyPr>
+          <a:lstStyle/>
+          <a:p>
+            <a:pPr marL="0" lvl="0" indent="0" algn="ctr" rtl="0">
+              <a:spcBef>
+                <a:spcPts val="0"/>
+              </a:spcBef>
+              <a:spcAft>
+                <a:spcPts val="0"/>
+              </a:spcAft>
+              <a:buNone/>
+            </a:pPr>
+            <a:r>
+              <a:rPr lang="sk-SK" sz="2400" dirty="0"/>
+              <a:t>Prínosy</a:t>
+            </a:r>
+            <a:endParaRPr sz="2400" dirty="0"/>
+          </a:p>
+        </p:txBody>
+      </p:sp>
+      <p:sp>
+        <p:nvSpPr>
+          <p:cNvPr id="247" name="Google Shape;247;p37"/>
+          <p:cNvSpPr txBox="1">
+            <a:spLocks noGrp="1"/>
+          </p:cNvSpPr>
+          <p:nvPr>
+            <p:ph type="sldNum" idx="12"/>
+          </p:nvPr>
+        </p:nvSpPr>
+        <p:spPr>
+          <a:xfrm>
+            <a:off x="8548658" y="4663217"/>
+            <a:ext cx="548700" cy="393600"/>
+          </a:xfrm>
+          <a:prstGeom prst="rect">
+            <a:avLst/>
+          </a:prstGeom>
+        </p:spPr>
+        <p:txBody>
+          <a:bodyPr spcFirstLastPara="1" wrap="square" lIns="91425" tIns="91425" rIns="91425" bIns="91425" anchor="ctr" anchorCtr="0">
+            <a:noAutofit/>
+          </a:bodyPr>
+          <a:lstStyle/>
+          <a:p>
+            <a:pPr marL="0" lvl="0" indent="0" algn="l" rtl="0">
+              <a:spcBef>
+                <a:spcPts val="0"/>
+              </a:spcBef>
+              <a:spcAft>
+                <a:spcPts val="0"/>
+              </a:spcAft>
+              <a:buNone/>
+            </a:pPr>
+            <a:fld id="{00000000-1234-1234-1234-123412341234}" type="slidenum">
+              <a:rPr lang="es" sz="1200">
+                <a:solidFill>
+                  <a:srgbClr val="CCCCCC"/>
+                </a:solidFill>
+                <a:latin typeface="Arvo"/>
+                <a:ea typeface="Arvo"/>
+                <a:cs typeface="Arvo"/>
+                <a:sym typeface="Arvo"/>
+              </a:rPr>
+              <a:t>11</a:t>
+            </a:fld>
+            <a:endParaRPr sz="1200">
+              <a:solidFill>
+                <a:srgbClr val="CCCCCC"/>
+              </a:solidFill>
+              <a:latin typeface="Arvo"/>
+              <a:ea typeface="Arvo"/>
+              <a:cs typeface="Arvo"/>
+              <a:sym typeface="Arvo"/>
+            </a:endParaRPr>
+          </a:p>
+        </p:txBody>
+      </p:sp>
+      <p:cxnSp>
+        <p:nvCxnSpPr>
+          <p:cNvPr id="248" name="Google Shape;248;p37"/>
+          <p:cNvCxnSpPr/>
+          <p:nvPr/>
+        </p:nvCxnSpPr>
+        <p:spPr>
+          <a:xfrm>
+            <a:off x="4550550" y="1941425"/>
+            <a:ext cx="0" cy="1927500"/>
+          </a:xfrm>
+          <a:prstGeom prst="straightConnector1">
+            <a:avLst/>
+          </a:prstGeom>
+          <a:noFill/>
+          <a:ln w="38100" cap="flat" cmpd="sng">
+            <a:solidFill>
+              <a:schemeClr val="accent1"/>
+            </a:solidFill>
+            <a:prstDash val="solid"/>
+            <a:round/>
+            <a:headEnd type="none" w="med" len="med"/>
+            <a:tailEnd type="none" w="med" len="med"/>
+          </a:ln>
+        </p:spPr>
+      </p:cxnSp>
+      <p:sp>
+        <p:nvSpPr>
+          <p:cNvPr id="249" name="Google Shape;249;p37"/>
+          <p:cNvSpPr txBox="1">
+            <a:spLocks noGrp="1"/>
+          </p:cNvSpPr>
+          <p:nvPr>
+            <p:ph type="ctrTitle"/>
+          </p:nvPr>
+        </p:nvSpPr>
+        <p:spPr>
+          <a:xfrm>
+            <a:off x="1113225" y="1293048"/>
+            <a:ext cx="3169500" cy="644700"/>
+          </a:xfrm>
+          <a:prstGeom prst="rect">
+            <a:avLst/>
+          </a:prstGeom>
+        </p:spPr>
+        <p:txBody>
+          <a:bodyPr spcFirstLastPara="1" wrap="square" lIns="91425" tIns="91425" rIns="91425" bIns="91425" anchor="b" anchorCtr="0">
+            <a:noAutofit/>
+          </a:bodyPr>
+          <a:lstStyle/>
+          <a:p>
+            <a:pPr marL="0" lvl="0" indent="0" algn="l" rtl="0">
+              <a:spcBef>
+                <a:spcPts val="0"/>
+              </a:spcBef>
+              <a:spcAft>
+                <a:spcPts val="0"/>
+              </a:spcAft>
+              <a:buNone/>
+            </a:pPr>
+            <a:r>
+              <a:rPr lang="sk-SK" b="0" dirty="0">
+                <a:latin typeface="Ubuntu Medium"/>
+                <a:sym typeface="Ubuntu Medium"/>
+              </a:rPr>
+              <a:t>Pre okolie</a:t>
+            </a:r>
+            <a:endParaRPr dirty="0"/>
+          </a:p>
+        </p:txBody>
+      </p:sp>
+      <p:sp>
+        <p:nvSpPr>
+          <p:cNvPr id="250" name="Google Shape;250;p37"/>
+          <p:cNvSpPr txBox="1">
+            <a:spLocks noGrp="1"/>
+          </p:cNvSpPr>
+          <p:nvPr>
+            <p:ph type="subTitle" idx="1"/>
+          </p:nvPr>
+        </p:nvSpPr>
+        <p:spPr>
+          <a:xfrm>
+            <a:off x="1113225" y="1893900"/>
+            <a:ext cx="3101400" cy="2122800"/>
+          </a:xfrm>
+          <a:prstGeom prst="rect">
+            <a:avLst/>
+          </a:prstGeom>
+        </p:spPr>
+        <p:txBody>
+          <a:bodyPr spcFirstLastPara="1" wrap="square" lIns="91425" tIns="91425" rIns="91425" bIns="91425" anchor="t" anchorCtr="0">
+            <a:noAutofit/>
+          </a:bodyPr>
+          <a:lstStyle/>
+          <a:p>
+            <a:pPr marL="285750" lvl="0" indent="-285750" algn="l" rtl="0">
+              <a:spcBef>
+                <a:spcPts val="0"/>
+              </a:spcBef>
+              <a:spcAft>
+                <a:spcPts val="0"/>
+              </a:spcAft>
+              <a:buFontTx/>
+              <a:buChar char="-"/>
+            </a:pPr>
+            <a:r>
+              <a:rPr lang="sk-SK" dirty="0"/>
+              <a:t>Nový prostriedok na zdokonalenie priestorovej predstavivosti</a:t>
+            </a:r>
+          </a:p>
+          <a:p>
+            <a:pPr marL="285750" lvl="0" indent="-285750" algn="l" rtl="0">
+              <a:spcBef>
+                <a:spcPts val="0"/>
+              </a:spcBef>
+              <a:spcAft>
+                <a:spcPts val="0"/>
+              </a:spcAft>
+              <a:buFontTx/>
+              <a:buChar char="-"/>
+            </a:pPr>
+            <a:r>
+              <a:rPr lang="sk-SK" dirty="0"/>
+              <a:t>Obohatenie výučby matematiky </a:t>
+            </a:r>
+            <a:r>
+              <a:rPr lang="sk-SK" dirty="0" err="1"/>
+              <a:t>Hejného</a:t>
+            </a:r>
+            <a:r>
+              <a:rPr lang="sk-SK" dirty="0"/>
+              <a:t> metódou</a:t>
+            </a:r>
+            <a:endParaRPr lang="en-GB" dirty="0"/>
+          </a:p>
+          <a:p>
+            <a:pPr marL="285750" lvl="0" indent="-285750" algn="l" rtl="0">
+              <a:spcBef>
+                <a:spcPts val="0"/>
+              </a:spcBef>
+              <a:spcAft>
+                <a:spcPts val="0"/>
+              </a:spcAft>
+              <a:buFontTx/>
+              <a:buChar char="-"/>
+            </a:pPr>
+            <a:r>
+              <a:rPr lang="sk-SK" dirty="0"/>
+              <a:t>Zábavná forma vzdelávania pre žiakov</a:t>
+            </a:r>
+          </a:p>
+          <a:p>
+            <a:pPr marL="285750" lvl="0" indent="-285750" algn="l" rtl="0">
+              <a:spcBef>
+                <a:spcPts val="0"/>
+              </a:spcBef>
+              <a:spcAft>
+                <a:spcPts val="0"/>
+              </a:spcAft>
+              <a:buFontTx/>
+              <a:buChar char="-"/>
+            </a:pPr>
+            <a:r>
+              <a:rPr lang="sk-SK" dirty="0"/>
+              <a:t>Prostredie </a:t>
+            </a:r>
+            <a:r>
+              <a:rPr lang="sk-SK" dirty="0" err="1"/>
+              <a:t>Hejného</a:t>
+            </a:r>
+            <a:r>
+              <a:rPr lang="sk-SK" dirty="0"/>
+              <a:t> metódy doplnené o softvérové riešenie</a:t>
+            </a:r>
+          </a:p>
+          <a:p>
+            <a:pPr marL="285750" lvl="0" indent="-285750" algn="l" rtl="0">
+              <a:spcBef>
+                <a:spcPts val="0"/>
+              </a:spcBef>
+              <a:spcAft>
+                <a:spcPts val="0"/>
+              </a:spcAft>
+              <a:buFontTx/>
+              <a:buChar char="-"/>
+            </a:pPr>
+            <a:r>
+              <a:rPr lang="sk-SK" dirty="0"/>
+              <a:t>Rozpracovanie problematiky a zázemie pre nadstavbu riešenia</a:t>
+            </a:r>
+          </a:p>
+        </p:txBody>
+      </p:sp>
+      <p:sp>
+        <p:nvSpPr>
+          <p:cNvPr id="251" name="Google Shape;251;p37"/>
+          <p:cNvSpPr txBox="1">
+            <a:spLocks noGrp="1"/>
+          </p:cNvSpPr>
+          <p:nvPr>
+            <p:ph type="ctrTitle" idx="2"/>
+          </p:nvPr>
+        </p:nvSpPr>
+        <p:spPr>
+          <a:xfrm>
+            <a:off x="4784325" y="1249200"/>
+            <a:ext cx="3169500" cy="644700"/>
+          </a:xfrm>
+          <a:prstGeom prst="rect">
+            <a:avLst/>
+          </a:prstGeom>
+        </p:spPr>
+        <p:txBody>
+          <a:bodyPr spcFirstLastPara="1" wrap="square" lIns="91425" tIns="91425" rIns="91425" bIns="91425" anchor="b" anchorCtr="0">
+            <a:noAutofit/>
+          </a:bodyPr>
+          <a:lstStyle/>
+          <a:p>
+            <a:pPr marL="0" lvl="0" indent="0" algn="l" rtl="0">
+              <a:spcBef>
+                <a:spcPts val="0"/>
+              </a:spcBef>
+              <a:spcAft>
+                <a:spcPts val="0"/>
+              </a:spcAft>
+              <a:buNone/>
+            </a:pPr>
+            <a:r>
+              <a:rPr lang="sk-SK" b="0" dirty="0">
+                <a:latin typeface="Ubuntu Medium" panose="020B0604020202020204" charset="0"/>
+              </a:rPr>
+              <a:t>Pre mňa</a:t>
+            </a:r>
+            <a:endParaRPr b="0" dirty="0">
+              <a:latin typeface="Ubuntu Medium" panose="020B0604020202020204" charset="0"/>
+            </a:endParaRPr>
+          </a:p>
+        </p:txBody>
+      </p:sp>
+      <p:sp>
+        <p:nvSpPr>
+          <p:cNvPr id="252" name="Google Shape;252;p37"/>
+          <p:cNvSpPr txBox="1">
+            <a:spLocks noGrp="1"/>
+          </p:cNvSpPr>
+          <p:nvPr>
+            <p:ph type="subTitle" idx="3"/>
+          </p:nvPr>
+        </p:nvSpPr>
+        <p:spPr>
+          <a:xfrm>
+            <a:off x="4818375" y="1893900"/>
+            <a:ext cx="3101400" cy="2122800"/>
+          </a:xfrm>
+          <a:prstGeom prst="rect">
+            <a:avLst/>
+          </a:prstGeom>
+        </p:spPr>
+        <p:txBody>
+          <a:bodyPr spcFirstLastPara="1" wrap="square" lIns="91425" tIns="91425" rIns="91425" bIns="91425" anchor="t" anchorCtr="0">
+            <a:noAutofit/>
+          </a:bodyPr>
+          <a:lstStyle/>
+          <a:p>
+            <a:pPr marL="285750" lvl="0" indent="-285750">
+              <a:buFontTx/>
+              <a:buChar char="-"/>
+            </a:pPr>
+            <a:r>
+              <a:rPr lang="sk-SK" dirty="0"/>
+              <a:t>Oboznámenie sa s tvorbou v </a:t>
+            </a:r>
+            <a:r>
+              <a:rPr lang="sk-SK" dirty="0" err="1"/>
+              <a:t>Unity</a:t>
+            </a:r>
+            <a:r>
+              <a:rPr lang="sk-SK" dirty="0"/>
+              <a:t> </a:t>
+            </a:r>
+            <a:r>
+              <a:rPr lang="sk-SK" dirty="0" err="1"/>
+              <a:t>Engine</a:t>
+            </a:r>
+            <a:endParaRPr lang="sk-SK" dirty="0"/>
+          </a:p>
+          <a:p>
+            <a:pPr marL="285750" lvl="0" indent="-285750">
+              <a:buFontTx/>
+              <a:buChar char="-"/>
+            </a:pPr>
+            <a:r>
+              <a:rPr lang="sk-SK" dirty="0"/>
+              <a:t>Skúsenosť s tvorbou didaktického softvéru</a:t>
+            </a:r>
+          </a:p>
+          <a:p>
+            <a:pPr marL="285750" lvl="0" indent="-285750">
+              <a:buFontTx/>
+              <a:buChar char="-"/>
+            </a:pPr>
+            <a:r>
+              <a:rPr lang="sk-SK" dirty="0"/>
+              <a:t>Reálny zážitok z testovania aplikácie</a:t>
+            </a:r>
+          </a:p>
+        </p:txBody>
+      </p:sp>
+    </p:spTree>
+  </p:cSld>
+  <p:clrMapOvr>
+    <a:masterClrMapping/>
+  </p:clrMapOvr>
+</p:sld>
+</file>
+
+<file path=ppt/slides/slide12.xml><?xml version="1.0" encoding="utf-8"?>
+<p:sld xmlns:a="http://schemas.openxmlformats.org/drawingml/2006/main" xmlns:r="http://schemas.openxmlformats.org/officeDocument/2006/relationships" xmlns:p="http://schemas.openxmlformats.org/presentationml/2006/main">
+  <p:cSld>
+    <p:spTree>
+      <p:nvGrpSpPr>
         <p:cNvPr id="1" name="Shape 696"/>
         <p:cNvGrpSpPr/>
         <p:nvPr/>
@@ -7948,7 +9014,7 @@
                 <a:cs typeface="Arvo"/>
                 <a:sym typeface="Arvo"/>
               </a:rPr>
-              <a:t>10</a:t>
+              <a:t>12</a:t>
             </a:fld>
             <a:endParaRPr sz="1200">
               <a:solidFill>
@@ -8069,7 +9135,7 @@
             </a:pPr>
             <a:r>
               <a:rPr lang="sk-SK" sz="2400" dirty="0"/>
-              <a:t>Motivácia – prečo práva táto téma</a:t>
+              <a:t>Motivácia</a:t>
             </a:r>
             <a:endParaRPr sz="2400" dirty="0"/>
           </a:p>
@@ -9155,7 +10221,7 @@
             </a:pPr>
             <a:r>
               <a:rPr lang="sk-SK" sz="1800" dirty="0"/>
-              <a:t>-práca v prostrediach, 12 prostredí</a:t>
+              <a:t>-práca v prostrediach</a:t>
             </a:r>
           </a:p>
           <a:p>
@@ -9280,6 +10346,1004 @@
 </file>
 
 <file path=ppt/slides/slide5.xml><?xml version="1.0" encoding="utf-8"?>
+<p:sld xmlns:a="http://schemas.openxmlformats.org/drawingml/2006/main" xmlns:r="http://schemas.openxmlformats.org/officeDocument/2006/relationships" xmlns:p="http://schemas.openxmlformats.org/presentationml/2006/main">
+  <p:cSld>
+    <p:spTree>
+      <p:nvGrpSpPr>
+        <p:cNvPr id="1" name=""/>
+        <p:cNvGrpSpPr/>
+        <p:nvPr/>
+      </p:nvGrpSpPr>
+      <p:grpSpPr>
+        <a:xfrm>
+          <a:off x="0" y="0"/>
+          <a:ext cx="0" cy="0"/>
+          <a:chOff x="0" y="0"/>
+          <a:chExt cx="0" cy="0"/>
+        </a:xfrm>
+      </p:grpSpPr>
+      <p:cxnSp>
+        <p:nvCxnSpPr>
+          <p:cNvPr id="4" name="Google Shape;213;p32">
+            <a:extLst>
+              <a:ext uri="{FF2B5EF4-FFF2-40B4-BE49-F238E27FC236}">
+                <a16:creationId xmlns:a16="http://schemas.microsoft.com/office/drawing/2014/main" id="{026344A4-7BC9-43E3-B936-AC13B53AF8B6}"/>
+              </a:ext>
+            </a:extLst>
+          </p:cNvPr>
+          <p:cNvCxnSpPr/>
+          <p:nvPr/>
+        </p:nvCxnSpPr>
+        <p:spPr>
+          <a:xfrm>
+            <a:off x="586317" y="1186316"/>
+            <a:ext cx="676200" cy="0"/>
+          </a:xfrm>
+          <a:prstGeom prst="straightConnector1">
+            <a:avLst/>
+          </a:prstGeom>
+          <a:noFill/>
+          <a:ln w="76200" cap="flat" cmpd="sng">
+            <a:solidFill>
+              <a:schemeClr val="accent1"/>
+            </a:solidFill>
+            <a:prstDash val="solid"/>
+            <a:round/>
+            <a:headEnd type="none" w="med" len="med"/>
+            <a:tailEnd type="none" w="med" len="med"/>
+          </a:ln>
+        </p:spPr>
+      </p:cxnSp>
+      <p:sp>
+        <p:nvSpPr>
+          <p:cNvPr id="5" name="Google Shape;210;p32">
+            <a:extLst>
+              <a:ext uri="{FF2B5EF4-FFF2-40B4-BE49-F238E27FC236}">
+                <a16:creationId xmlns:a16="http://schemas.microsoft.com/office/drawing/2014/main" id="{BB7D2FDB-1DE0-44D7-9D86-C4B5E41DD06F}"/>
+              </a:ext>
+            </a:extLst>
+          </p:cNvPr>
+          <p:cNvSpPr txBox="1">
+            <a:spLocks/>
+          </p:cNvSpPr>
+          <p:nvPr/>
+        </p:nvSpPr>
+        <p:spPr>
+          <a:xfrm>
+            <a:off x="493206" y="71816"/>
+            <a:ext cx="7697973" cy="1114500"/>
+          </a:xfrm>
+          <a:prstGeom prst="rect">
+            <a:avLst/>
+          </a:prstGeom>
+        </p:spPr>
+        <p:txBody>
+          <a:bodyPr spcFirstLastPara="1" wrap="square" lIns="91425" tIns="91425" rIns="91425" bIns="91425" anchor="b" anchorCtr="0">
+            <a:noAutofit/>
+          </a:bodyPr>
+          <a:lstStyle>
+            <a:defPPr marR="0" lvl="0" algn="l" rtl="0">
+              <a:lnSpc>
+                <a:spcPct val="100000"/>
+              </a:lnSpc>
+              <a:spcBef>
+                <a:spcPts val="0"/>
+              </a:spcBef>
+              <a:spcAft>
+                <a:spcPts val="0"/>
+              </a:spcAft>
+            </a:defPPr>
+            <a:lvl1pPr marR="0" lvl="0" algn="l" rtl="0">
+              <a:lnSpc>
+                <a:spcPct val="100000"/>
+              </a:lnSpc>
+              <a:spcBef>
+                <a:spcPts val="0"/>
+              </a:spcBef>
+              <a:spcAft>
+                <a:spcPts val="0"/>
+              </a:spcAft>
+              <a:buClr>
+                <a:srgbClr val="000000"/>
+              </a:buClr>
+              <a:buFont typeface="Arial"/>
+              <a:defRPr sz="1400" b="0" i="0" u="none" strike="noStrike" cap="none">
+                <a:solidFill>
+                  <a:srgbClr val="000000"/>
+                </a:solidFill>
+                <a:latin typeface="Arial"/>
+                <a:ea typeface="Arial"/>
+                <a:cs typeface="Arial"/>
+                <a:sym typeface="Arial"/>
+              </a:defRPr>
+            </a:lvl1pPr>
+            <a:lvl2pPr marR="0" lvl="1" algn="l" rtl="0">
+              <a:lnSpc>
+                <a:spcPct val="100000"/>
+              </a:lnSpc>
+              <a:spcBef>
+                <a:spcPts val="0"/>
+              </a:spcBef>
+              <a:spcAft>
+                <a:spcPts val="0"/>
+              </a:spcAft>
+              <a:buClr>
+                <a:srgbClr val="000000"/>
+              </a:buClr>
+              <a:buFont typeface="Arial"/>
+              <a:defRPr sz="1400" b="0" i="0" u="none" strike="noStrike" cap="none">
+                <a:solidFill>
+                  <a:srgbClr val="000000"/>
+                </a:solidFill>
+                <a:latin typeface="Arial"/>
+                <a:ea typeface="Arial"/>
+                <a:cs typeface="Arial"/>
+                <a:sym typeface="Arial"/>
+              </a:defRPr>
+            </a:lvl2pPr>
+            <a:lvl3pPr marR="0" lvl="2" algn="l" rtl="0">
+              <a:lnSpc>
+                <a:spcPct val="100000"/>
+              </a:lnSpc>
+              <a:spcBef>
+                <a:spcPts val="0"/>
+              </a:spcBef>
+              <a:spcAft>
+                <a:spcPts val="0"/>
+              </a:spcAft>
+              <a:buClr>
+                <a:srgbClr val="000000"/>
+              </a:buClr>
+              <a:buFont typeface="Arial"/>
+              <a:defRPr sz="1400" b="0" i="0" u="none" strike="noStrike" cap="none">
+                <a:solidFill>
+                  <a:srgbClr val="000000"/>
+                </a:solidFill>
+                <a:latin typeface="Arial"/>
+                <a:ea typeface="Arial"/>
+                <a:cs typeface="Arial"/>
+                <a:sym typeface="Arial"/>
+              </a:defRPr>
+            </a:lvl3pPr>
+            <a:lvl4pPr marR="0" lvl="3" algn="l" rtl="0">
+              <a:lnSpc>
+                <a:spcPct val="100000"/>
+              </a:lnSpc>
+              <a:spcBef>
+                <a:spcPts val="0"/>
+              </a:spcBef>
+              <a:spcAft>
+                <a:spcPts val="0"/>
+              </a:spcAft>
+              <a:buClr>
+                <a:srgbClr val="000000"/>
+              </a:buClr>
+              <a:buFont typeface="Arial"/>
+              <a:defRPr sz="1400" b="0" i="0" u="none" strike="noStrike" cap="none">
+                <a:solidFill>
+                  <a:srgbClr val="000000"/>
+                </a:solidFill>
+                <a:latin typeface="Arial"/>
+                <a:ea typeface="Arial"/>
+                <a:cs typeface="Arial"/>
+                <a:sym typeface="Arial"/>
+              </a:defRPr>
+            </a:lvl4pPr>
+            <a:lvl5pPr marR="0" lvl="4" algn="l" rtl="0">
+              <a:lnSpc>
+                <a:spcPct val="100000"/>
+              </a:lnSpc>
+              <a:spcBef>
+                <a:spcPts val="0"/>
+              </a:spcBef>
+              <a:spcAft>
+                <a:spcPts val="0"/>
+              </a:spcAft>
+              <a:buClr>
+                <a:srgbClr val="000000"/>
+              </a:buClr>
+              <a:buFont typeface="Arial"/>
+              <a:defRPr sz="1400" b="0" i="0" u="none" strike="noStrike" cap="none">
+                <a:solidFill>
+                  <a:srgbClr val="000000"/>
+                </a:solidFill>
+                <a:latin typeface="Arial"/>
+                <a:ea typeface="Arial"/>
+                <a:cs typeface="Arial"/>
+                <a:sym typeface="Arial"/>
+              </a:defRPr>
+            </a:lvl5pPr>
+            <a:lvl6pPr marR="0" lvl="5" algn="l" rtl="0">
+              <a:lnSpc>
+                <a:spcPct val="100000"/>
+              </a:lnSpc>
+              <a:spcBef>
+                <a:spcPts val="0"/>
+              </a:spcBef>
+              <a:spcAft>
+                <a:spcPts val="0"/>
+              </a:spcAft>
+              <a:buClr>
+                <a:srgbClr val="000000"/>
+              </a:buClr>
+              <a:buFont typeface="Arial"/>
+              <a:defRPr sz="1400" b="0" i="0" u="none" strike="noStrike" cap="none">
+                <a:solidFill>
+                  <a:srgbClr val="000000"/>
+                </a:solidFill>
+                <a:latin typeface="Arial"/>
+                <a:ea typeface="Arial"/>
+                <a:cs typeface="Arial"/>
+                <a:sym typeface="Arial"/>
+              </a:defRPr>
+            </a:lvl6pPr>
+            <a:lvl7pPr marR="0" lvl="6" algn="l" rtl="0">
+              <a:lnSpc>
+                <a:spcPct val="100000"/>
+              </a:lnSpc>
+              <a:spcBef>
+                <a:spcPts val="0"/>
+              </a:spcBef>
+              <a:spcAft>
+                <a:spcPts val="0"/>
+              </a:spcAft>
+              <a:buClr>
+                <a:srgbClr val="000000"/>
+              </a:buClr>
+              <a:buFont typeface="Arial"/>
+              <a:defRPr sz="1400" b="0" i="0" u="none" strike="noStrike" cap="none">
+                <a:solidFill>
+                  <a:srgbClr val="000000"/>
+                </a:solidFill>
+                <a:latin typeface="Arial"/>
+                <a:ea typeface="Arial"/>
+                <a:cs typeface="Arial"/>
+                <a:sym typeface="Arial"/>
+              </a:defRPr>
+            </a:lvl7pPr>
+            <a:lvl8pPr marR="0" lvl="7" algn="l" rtl="0">
+              <a:lnSpc>
+                <a:spcPct val="100000"/>
+              </a:lnSpc>
+              <a:spcBef>
+                <a:spcPts val="0"/>
+              </a:spcBef>
+              <a:spcAft>
+                <a:spcPts val="0"/>
+              </a:spcAft>
+              <a:buClr>
+                <a:srgbClr val="000000"/>
+              </a:buClr>
+              <a:buFont typeface="Arial"/>
+              <a:defRPr sz="1400" b="0" i="0" u="none" strike="noStrike" cap="none">
+                <a:solidFill>
+                  <a:srgbClr val="000000"/>
+                </a:solidFill>
+                <a:latin typeface="Arial"/>
+                <a:ea typeface="Arial"/>
+                <a:cs typeface="Arial"/>
+                <a:sym typeface="Arial"/>
+              </a:defRPr>
+            </a:lvl8pPr>
+            <a:lvl9pPr marR="0" lvl="8" algn="l" rtl="0">
+              <a:lnSpc>
+                <a:spcPct val="100000"/>
+              </a:lnSpc>
+              <a:spcBef>
+                <a:spcPts val="0"/>
+              </a:spcBef>
+              <a:spcAft>
+                <a:spcPts val="0"/>
+              </a:spcAft>
+              <a:buClr>
+                <a:srgbClr val="000000"/>
+              </a:buClr>
+              <a:buFont typeface="Arial"/>
+              <a:defRPr sz="1400" b="0" i="0" u="none" strike="noStrike" cap="none">
+                <a:solidFill>
+                  <a:srgbClr val="000000"/>
+                </a:solidFill>
+                <a:latin typeface="Arial"/>
+                <a:ea typeface="Arial"/>
+                <a:cs typeface="Arial"/>
+                <a:sym typeface="Arial"/>
+              </a:defRPr>
+            </a:lvl9pPr>
+          </a:lstStyle>
+          <a:p>
+            <a:r>
+              <a:rPr lang="sk-SK" sz="2800" b="1" dirty="0">
+                <a:solidFill>
+                  <a:schemeClr val="tx2">
+                    <a:lumMod val="50000"/>
+                  </a:schemeClr>
+                </a:solidFill>
+                <a:latin typeface="Ubuntu" panose="020B0604020202020204" charset="0"/>
+              </a:rPr>
+              <a:t>Sieť kocky</a:t>
+            </a:r>
+          </a:p>
+        </p:txBody>
+      </p:sp>
+      <p:pic>
+        <p:nvPicPr>
+          <p:cNvPr id="6" name="Grafický objekt 5">
+            <a:extLst>
+              <a:ext uri="{FF2B5EF4-FFF2-40B4-BE49-F238E27FC236}">
+                <a16:creationId xmlns:a16="http://schemas.microsoft.com/office/drawing/2014/main" id="{EB8D4486-BD7F-4805-8901-3BC91FA37C42}"/>
+              </a:ext>
+            </a:extLst>
+          </p:cNvPr>
+          <p:cNvPicPr>
+            <a:picLocks noChangeAspect="1"/>
+          </p:cNvPicPr>
+          <p:nvPr/>
+        </p:nvPicPr>
+        <p:blipFill>
+          <a:blip r:embed="rId3">
+            <a:extLst>
+              <a:ext uri="{96DAC541-7B7A-43D3-8B79-37D633B846F1}">
+                <asvg:svgBlip xmlns:asvg="http://schemas.microsoft.com/office/drawing/2016/SVG/main" r:embed="rId4"/>
+              </a:ext>
+            </a:extLst>
+          </a:blip>
+          <a:stretch>
+            <a:fillRect/>
+          </a:stretch>
+        </p:blipFill>
+        <p:spPr>
+          <a:xfrm>
+            <a:off x="4014333" y="549743"/>
+            <a:ext cx="4226315" cy="1273148"/>
+          </a:xfrm>
+          <a:prstGeom prst="rect">
+            <a:avLst/>
+          </a:prstGeom>
+        </p:spPr>
+      </p:pic>
+      <p:pic>
+        <p:nvPicPr>
+          <p:cNvPr id="9" name="Grafický objekt 8">
+            <a:extLst>
+              <a:ext uri="{FF2B5EF4-FFF2-40B4-BE49-F238E27FC236}">
+                <a16:creationId xmlns:a16="http://schemas.microsoft.com/office/drawing/2014/main" id="{F029BB73-08B5-4ABD-A065-22DCEC6F0F1C}"/>
+              </a:ext>
+            </a:extLst>
+          </p:cNvPr>
+          <p:cNvPicPr>
+            <a:picLocks noChangeAspect="1"/>
+          </p:cNvPicPr>
+          <p:nvPr/>
+        </p:nvPicPr>
+        <p:blipFill>
+          <a:blip r:embed="rId5">
+            <a:extLst>
+              <a:ext uri="{96DAC541-7B7A-43D3-8B79-37D633B846F1}">
+                <asvg:svgBlip xmlns:asvg="http://schemas.microsoft.com/office/drawing/2016/SVG/main" r:embed="rId6"/>
+              </a:ext>
+            </a:extLst>
+          </a:blip>
+          <a:stretch>
+            <a:fillRect/>
+          </a:stretch>
+        </p:blipFill>
+        <p:spPr>
+          <a:xfrm>
+            <a:off x="3898232" y="2300818"/>
+            <a:ext cx="5039674" cy="1886171"/>
+          </a:xfrm>
+          <a:prstGeom prst="rect">
+            <a:avLst/>
+          </a:prstGeom>
+        </p:spPr>
+      </p:pic>
+      <p:sp>
+        <p:nvSpPr>
+          <p:cNvPr id="10" name="BlokTextu 9">
+            <a:extLst>
+              <a:ext uri="{FF2B5EF4-FFF2-40B4-BE49-F238E27FC236}">
+                <a16:creationId xmlns:a16="http://schemas.microsoft.com/office/drawing/2014/main" id="{6E93DEB5-D48C-45A3-AD1B-4994845DF198}"/>
+              </a:ext>
+            </a:extLst>
+          </p:cNvPr>
+          <p:cNvSpPr txBox="1"/>
+          <p:nvPr/>
+        </p:nvSpPr>
+        <p:spPr>
+          <a:xfrm>
+            <a:off x="336883" y="1636295"/>
+            <a:ext cx="3907857" cy="1323439"/>
+          </a:xfrm>
+          <a:prstGeom prst="rect">
+            <a:avLst/>
+          </a:prstGeom>
+          <a:noFill/>
+        </p:spPr>
+        <p:txBody>
+          <a:bodyPr wrap="square" rtlCol="0">
+            <a:spAutoFit/>
+          </a:bodyPr>
+          <a:lstStyle/>
+          <a:p>
+            <a:pPr marL="285750" indent="-285750">
+              <a:buFontTx/>
+              <a:buChar char="-"/>
+            </a:pPr>
+            <a:r>
+              <a:rPr lang="sk-SK" sz="2000" dirty="0">
+                <a:latin typeface="Ubuntu Light" panose="020B0604020202020204" charset="0"/>
+              </a:rPr>
+              <a:t>Rovinný mnohosten</a:t>
+            </a:r>
+          </a:p>
+          <a:p>
+            <a:pPr marL="285750" indent="-285750">
+              <a:buFontTx/>
+              <a:buChar char="-"/>
+            </a:pPr>
+            <a:r>
+              <a:rPr lang="sk-SK" sz="2000" dirty="0">
+                <a:latin typeface="Ubuntu Light" panose="020B0604020202020204" charset="0"/>
+              </a:rPr>
+              <a:t>Jeho časti sú postupne zhodné so stenami priestorového mnohostena</a:t>
+            </a:r>
+          </a:p>
+        </p:txBody>
+      </p:sp>
+    </p:spTree>
+    <p:extLst>
+      <p:ext uri="{BB962C8B-B14F-4D97-AF65-F5344CB8AC3E}">
+        <p14:creationId xmlns:p14="http://schemas.microsoft.com/office/powerpoint/2010/main" val="1410923261"/>
+      </p:ext>
+    </p:extLst>
+  </p:cSld>
+  <p:clrMapOvr>
+    <a:masterClrMapping/>
+  </p:clrMapOvr>
+</p:sld>
+</file>
+
+<file path=ppt/slides/slide6.xml><?xml version="1.0" encoding="utf-8"?>
+<p:sld xmlns:a="http://schemas.openxmlformats.org/drawingml/2006/main" xmlns:r="http://schemas.openxmlformats.org/officeDocument/2006/relationships" xmlns:p="http://schemas.openxmlformats.org/presentationml/2006/main">
+  <p:cSld>
+    <p:spTree>
+      <p:nvGrpSpPr>
+        <p:cNvPr id="1" name=""/>
+        <p:cNvGrpSpPr/>
+        <p:nvPr/>
+      </p:nvGrpSpPr>
+      <p:grpSpPr>
+        <a:xfrm>
+          <a:off x="0" y="0"/>
+          <a:ext cx="0" cy="0"/>
+          <a:chOff x="0" y="0"/>
+          <a:chExt cx="0" cy="0"/>
+        </a:xfrm>
+      </p:grpSpPr>
+      <p:cxnSp>
+        <p:nvCxnSpPr>
+          <p:cNvPr id="4" name="Google Shape;213;p32">
+            <a:extLst>
+              <a:ext uri="{FF2B5EF4-FFF2-40B4-BE49-F238E27FC236}">
+                <a16:creationId xmlns:a16="http://schemas.microsoft.com/office/drawing/2014/main" id="{026344A4-7BC9-43E3-B936-AC13B53AF8B6}"/>
+              </a:ext>
+            </a:extLst>
+          </p:cNvPr>
+          <p:cNvCxnSpPr/>
+          <p:nvPr/>
+        </p:nvCxnSpPr>
+        <p:spPr>
+          <a:xfrm>
+            <a:off x="586317" y="1186316"/>
+            <a:ext cx="676200" cy="0"/>
+          </a:xfrm>
+          <a:prstGeom prst="straightConnector1">
+            <a:avLst/>
+          </a:prstGeom>
+          <a:noFill/>
+          <a:ln w="76200" cap="flat" cmpd="sng">
+            <a:solidFill>
+              <a:schemeClr val="accent1"/>
+            </a:solidFill>
+            <a:prstDash val="solid"/>
+            <a:round/>
+            <a:headEnd type="none" w="med" len="med"/>
+            <a:tailEnd type="none" w="med" len="med"/>
+          </a:ln>
+        </p:spPr>
+      </p:cxnSp>
+      <p:sp>
+        <p:nvSpPr>
+          <p:cNvPr id="5" name="Google Shape;210;p32">
+            <a:extLst>
+              <a:ext uri="{FF2B5EF4-FFF2-40B4-BE49-F238E27FC236}">
+                <a16:creationId xmlns:a16="http://schemas.microsoft.com/office/drawing/2014/main" id="{BB7D2FDB-1DE0-44D7-9D86-C4B5E41DD06F}"/>
+              </a:ext>
+            </a:extLst>
+          </p:cNvPr>
+          <p:cNvSpPr txBox="1">
+            <a:spLocks/>
+          </p:cNvSpPr>
+          <p:nvPr/>
+        </p:nvSpPr>
+        <p:spPr>
+          <a:xfrm>
+            <a:off x="493206" y="71816"/>
+            <a:ext cx="7697973" cy="1114500"/>
+          </a:xfrm>
+          <a:prstGeom prst="rect">
+            <a:avLst/>
+          </a:prstGeom>
+        </p:spPr>
+        <p:txBody>
+          <a:bodyPr spcFirstLastPara="1" wrap="square" lIns="91425" tIns="91425" rIns="91425" bIns="91425" anchor="b" anchorCtr="0">
+            <a:noAutofit/>
+          </a:bodyPr>
+          <a:lstStyle>
+            <a:defPPr marR="0" lvl="0" algn="l" rtl="0">
+              <a:lnSpc>
+                <a:spcPct val="100000"/>
+              </a:lnSpc>
+              <a:spcBef>
+                <a:spcPts val="0"/>
+              </a:spcBef>
+              <a:spcAft>
+                <a:spcPts val="0"/>
+              </a:spcAft>
+            </a:defPPr>
+            <a:lvl1pPr marR="0" lvl="0" algn="l" rtl="0">
+              <a:lnSpc>
+                <a:spcPct val="100000"/>
+              </a:lnSpc>
+              <a:spcBef>
+                <a:spcPts val="0"/>
+              </a:spcBef>
+              <a:spcAft>
+                <a:spcPts val="0"/>
+              </a:spcAft>
+              <a:buClr>
+                <a:srgbClr val="000000"/>
+              </a:buClr>
+              <a:buFont typeface="Arial"/>
+              <a:defRPr sz="1400" b="0" i="0" u="none" strike="noStrike" cap="none">
+                <a:solidFill>
+                  <a:srgbClr val="000000"/>
+                </a:solidFill>
+                <a:latin typeface="Arial"/>
+                <a:ea typeface="Arial"/>
+                <a:cs typeface="Arial"/>
+                <a:sym typeface="Arial"/>
+              </a:defRPr>
+            </a:lvl1pPr>
+            <a:lvl2pPr marR="0" lvl="1" algn="l" rtl="0">
+              <a:lnSpc>
+                <a:spcPct val="100000"/>
+              </a:lnSpc>
+              <a:spcBef>
+                <a:spcPts val="0"/>
+              </a:spcBef>
+              <a:spcAft>
+                <a:spcPts val="0"/>
+              </a:spcAft>
+              <a:buClr>
+                <a:srgbClr val="000000"/>
+              </a:buClr>
+              <a:buFont typeface="Arial"/>
+              <a:defRPr sz="1400" b="0" i="0" u="none" strike="noStrike" cap="none">
+                <a:solidFill>
+                  <a:srgbClr val="000000"/>
+                </a:solidFill>
+                <a:latin typeface="Arial"/>
+                <a:ea typeface="Arial"/>
+                <a:cs typeface="Arial"/>
+                <a:sym typeface="Arial"/>
+              </a:defRPr>
+            </a:lvl2pPr>
+            <a:lvl3pPr marR="0" lvl="2" algn="l" rtl="0">
+              <a:lnSpc>
+                <a:spcPct val="100000"/>
+              </a:lnSpc>
+              <a:spcBef>
+                <a:spcPts val="0"/>
+              </a:spcBef>
+              <a:spcAft>
+                <a:spcPts val="0"/>
+              </a:spcAft>
+              <a:buClr>
+                <a:srgbClr val="000000"/>
+              </a:buClr>
+              <a:buFont typeface="Arial"/>
+              <a:defRPr sz="1400" b="0" i="0" u="none" strike="noStrike" cap="none">
+                <a:solidFill>
+                  <a:srgbClr val="000000"/>
+                </a:solidFill>
+                <a:latin typeface="Arial"/>
+                <a:ea typeface="Arial"/>
+                <a:cs typeface="Arial"/>
+                <a:sym typeface="Arial"/>
+              </a:defRPr>
+            </a:lvl3pPr>
+            <a:lvl4pPr marR="0" lvl="3" algn="l" rtl="0">
+              <a:lnSpc>
+                <a:spcPct val="100000"/>
+              </a:lnSpc>
+              <a:spcBef>
+                <a:spcPts val="0"/>
+              </a:spcBef>
+              <a:spcAft>
+                <a:spcPts val="0"/>
+              </a:spcAft>
+              <a:buClr>
+                <a:srgbClr val="000000"/>
+              </a:buClr>
+              <a:buFont typeface="Arial"/>
+              <a:defRPr sz="1400" b="0" i="0" u="none" strike="noStrike" cap="none">
+                <a:solidFill>
+                  <a:srgbClr val="000000"/>
+                </a:solidFill>
+                <a:latin typeface="Arial"/>
+                <a:ea typeface="Arial"/>
+                <a:cs typeface="Arial"/>
+                <a:sym typeface="Arial"/>
+              </a:defRPr>
+            </a:lvl4pPr>
+            <a:lvl5pPr marR="0" lvl="4" algn="l" rtl="0">
+              <a:lnSpc>
+                <a:spcPct val="100000"/>
+              </a:lnSpc>
+              <a:spcBef>
+                <a:spcPts val="0"/>
+              </a:spcBef>
+              <a:spcAft>
+                <a:spcPts val="0"/>
+              </a:spcAft>
+              <a:buClr>
+                <a:srgbClr val="000000"/>
+              </a:buClr>
+              <a:buFont typeface="Arial"/>
+              <a:defRPr sz="1400" b="0" i="0" u="none" strike="noStrike" cap="none">
+                <a:solidFill>
+                  <a:srgbClr val="000000"/>
+                </a:solidFill>
+                <a:latin typeface="Arial"/>
+                <a:ea typeface="Arial"/>
+                <a:cs typeface="Arial"/>
+                <a:sym typeface="Arial"/>
+              </a:defRPr>
+            </a:lvl5pPr>
+            <a:lvl6pPr marR="0" lvl="5" algn="l" rtl="0">
+              <a:lnSpc>
+                <a:spcPct val="100000"/>
+              </a:lnSpc>
+              <a:spcBef>
+                <a:spcPts val="0"/>
+              </a:spcBef>
+              <a:spcAft>
+                <a:spcPts val="0"/>
+              </a:spcAft>
+              <a:buClr>
+                <a:srgbClr val="000000"/>
+              </a:buClr>
+              <a:buFont typeface="Arial"/>
+              <a:defRPr sz="1400" b="0" i="0" u="none" strike="noStrike" cap="none">
+                <a:solidFill>
+                  <a:srgbClr val="000000"/>
+                </a:solidFill>
+                <a:latin typeface="Arial"/>
+                <a:ea typeface="Arial"/>
+                <a:cs typeface="Arial"/>
+                <a:sym typeface="Arial"/>
+              </a:defRPr>
+            </a:lvl6pPr>
+            <a:lvl7pPr marR="0" lvl="6" algn="l" rtl="0">
+              <a:lnSpc>
+                <a:spcPct val="100000"/>
+              </a:lnSpc>
+              <a:spcBef>
+                <a:spcPts val="0"/>
+              </a:spcBef>
+              <a:spcAft>
+                <a:spcPts val="0"/>
+              </a:spcAft>
+              <a:buClr>
+                <a:srgbClr val="000000"/>
+              </a:buClr>
+              <a:buFont typeface="Arial"/>
+              <a:defRPr sz="1400" b="0" i="0" u="none" strike="noStrike" cap="none">
+                <a:solidFill>
+                  <a:srgbClr val="000000"/>
+                </a:solidFill>
+                <a:latin typeface="Arial"/>
+                <a:ea typeface="Arial"/>
+                <a:cs typeface="Arial"/>
+                <a:sym typeface="Arial"/>
+              </a:defRPr>
+            </a:lvl7pPr>
+            <a:lvl8pPr marR="0" lvl="7" algn="l" rtl="0">
+              <a:lnSpc>
+                <a:spcPct val="100000"/>
+              </a:lnSpc>
+              <a:spcBef>
+                <a:spcPts val="0"/>
+              </a:spcBef>
+              <a:spcAft>
+                <a:spcPts val="0"/>
+              </a:spcAft>
+              <a:buClr>
+                <a:srgbClr val="000000"/>
+              </a:buClr>
+              <a:buFont typeface="Arial"/>
+              <a:defRPr sz="1400" b="0" i="0" u="none" strike="noStrike" cap="none">
+                <a:solidFill>
+                  <a:srgbClr val="000000"/>
+                </a:solidFill>
+                <a:latin typeface="Arial"/>
+                <a:ea typeface="Arial"/>
+                <a:cs typeface="Arial"/>
+                <a:sym typeface="Arial"/>
+              </a:defRPr>
+            </a:lvl8pPr>
+            <a:lvl9pPr marR="0" lvl="8" algn="l" rtl="0">
+              <a:lnSpc>
+                <a:spcPct val="100000"/>
+              </a:lnSpc>
+              <a:spcBef>
+                <a:spcPts val="0"/>
+              </a:spcBef>
+              <a:spcAft>
+                <a:spcPts val="0"/>
+              </a:spcAft>
+              <a:buClr>
+                <a:srgbClr val="000000"/>
+              </a:buClr>
+              <a:buFont typeface="Arial"/>
+              <a:defRPr sz="1400" b="0" i="0" u="none" strike="noStrike" cap="none">
+                <a:solidFill>
+                  <a:srgbClr val="000000"/>
+                </a:solidFill>
+                <a:latin typeface="Arial"/>
+                <a:ea typeface="Arial"/>
+                <a:cs typeface="Arial"/>
+                <a:sym typeface="Arial"/>
+              </a:defRPr>
+            </a:lvl9pPr>
+          </a:lstStyle>
+          <a:p>
+            <a:r>
+              <a:rPr lang="sk-SK" sz="2800" b="1" dirty="0">
+                <a:solidFill>
+                  <a:schemeClr val="tx2">
+                    <a:lumMod val="50000"/>
+                  </a:schemeClr>
+                </a:solidFill>
+                <a:latin typeface="Ubuntu" panose="020B0604020202020204" charset="0"/>
+              </a:rPr>
+              <a:t>Sieť kocky</a:t>
+            </a:r>
+          </a:p>
+        </p:txBody>
+      </p:sp>
+      <p:pic>
+        <p:nvPicPr>
+          <p:cNvPr id="3" name="Obrázok 2" descr="Obrázok, na ktorom je hodiny, kreslenie&#10;&#10;Automaticky generovaný popis">
+            <a:extLst>
+              <a:ext uri="{FF2B5EF4-FFF2-40B4-BE49-F238E27FC236}">
+                <a16:creationId xmlns:a16="http://schemas.microsoft.com/office/drawing/2014/main" id="{B25E8354-F4B5-47E0-8391-2DF87BA63B3B}"/>
+              </a:ext>
+            </a:extLst>
+          </p:cNvPr>
+          <p:cNvPicPr>
+            <a:picLocks noChangeAspect="1"/>
+          </p:cNvPicPr>
+          <p:nvPr/>
+        </p:nvPicPr>
+        <p:blipFill>
+          <a:blip r:embed="rId3"/>
+          <a:stretch>
+            <a:fillRect/>
+          </a:stretch>
+        </p:blipFill>
+        <p:spPr>
+          <a:xfrm>
+            <a:off x="493206" y="1395663"/>
+            <a:ext cx="3174019" cy="3025237"/>
+          </a:xfrm>
+          <a:prstGeom prst="rect">
+            <a:avLst/>
+          </a:prstGeom>
+        </p:spPr>
+      </p:pic>
+      <p:pic>
+        <p:nvPicPr>
+          <p:cNvPr id="8" name="Obrázok 7">
+            <a:extLst>
+              <a:ext uri="{FF2B5EF4-FFF2-40B4-BE49-F238E27FC236}">
+                <a16:creationId xmlns:a16="http://schemas.microsoft.com/office/drawing/2014/main" id="{90A94235-865F-46DF-95CD-2ADB98880585}"/>
+              </a:ext>
+            </a:extLst>
+          </p:cNvPr>
+          <p:cNvPicPr>
+            <a:picLocks noChangeAspect="1"/>
+          </p:cNvPicPr>
+          <p:nvPr/>
+        </p:nvPicPr>
+        <p:blipFill>
+          <a:blip r:embed="rId4"/>
+          <a:stretch>
+            <a:fillRect/>
+          </a:stretch>
+        </p:blipFill>
+        <p:spPr>
+          <a:xfrm>
+            <a:off x="5131258" y="412730"/>
+            <a:ext cx="3059921" cy="1756520"/>
+          </a:xfrm>
+          <a:prstGeom prst="rect">
+            <a:avLst/>
+          </a:prstGeom>
+        </p:spPr>
+      </p:pic>
+      <p:pic>
+        <p:nvPicPr>
+          <p:cNvPr id="11" name="Obrázok 10">
+            <a:extLst>
+              <a:ext uri="{FF2B5EF4-FFF2-40B4-BE49-F238E27FC236}">
+                <a16:creationId xmlns:a16="http://schemas.microsoft.com/office/drawing/2014/main" id="{4FD0DC43-938D-4E21-A8DE-C177994D74D3}"/>
+              </a:ext>
+            </a:extLst>
+          </p:cNvPr>
+          <p:cNvPicPr>
+            <a:picLocks noChangeAspect="1"/>
+          </p:cNvPicPr>
+          <p:nvPr/>
+        </p:nvPicPr>
+        <p:blipFill>
+          <a:blip r:embed="rId5"/>
+          <a:stretch>
+            <a:fillRect/>
+          </a:stretch>
+        </p:blipFill>
+        <p:spPr>
+          <a:xfrm>
+            <a:off x="4822934" y="2974251"/>
+            <a:ext cx="3706065" cy="1598869"/>
+          </a:xfrm>
+          <a:prstGeom prst="rect">
+            <a:avLst/>
+          </a:prstGeom>
+        </p:spPr>
+      </p:pic>
+      <p:sp>
+        <p:nvSpPr>
+          <p:cNvPr id="12" name="BlokTextu 11">
+            <a:extLst>
+              <a:ext uri="{FF2B5EF4-FFF2-40B4-BE49-F238E27FC236}">
+                <a16:creationId xmlns:a16="http://schemas.microsoft.com/office/drawing/2014/main" id="{6DA691D1-14B3-4FAA-8A47-A81A8173C3B9}"/>
+              </a:ext>
+            </a:extLst>
+          </p:cNvPr>
+          <p:cNvSpPr txBox="1"/>
+          <p:nvPr/>
+        </p:nvSpPr>
+        <p:spPr>
+          <a:xfrm>
+            <a:off x="5342021" y="2252312"/>
+            <a:ext cx="3308773" cy="307777"/>
+          </a:xfrm>
+          <a:prstGeom prst="rect">
+            <a:avLst/>
+          </a:prstGeom>
+          <a:noFill/>
+        </p:spPr>
+        <p:txBody>
+          <a:bodyPr wrap="square" rtlCol="0">
+            <a:spAutoFit/>
+          </a:bodyPr>
+          <a:lstStyle/>
+          <a:p>
+            <a:r>
+              <a:rPr lang="en-GB" dirty="0">
+                <a:latin typeface="Ubuntu Light" panose="020B0604020202020204" charset="0"/>
+              </a:rPr>
+              <a:t>S</a:t>
+            </a:r>
+            <a:r>
+              <a:rPr lang="sk-SK" dirty="0">
+                <a:latin typeface="Ubuntu Light" panose="020B0604020202020204" charset="0"/>
+              </a:rPr>
+              <a:t>ú symetrické siete rovnaké siete?</a:t>
+            </a:r>
+          </a:p>
+        </p:txBody>
+      </p:sp>
+      <p:sp>
+        <p:nvSpPr>
+          <p:cNvPr id="13" name="BlokTextu 12">
+            <a:extLst>
+              <a:ext uri="{FF2B5EF4-FFF2-40B4-BE49-F238E27FC236}">
+                <a16:creationId xmlns:a16="http://schemas.microsoft.com/office/drawing/2014/main" id="{F92E3236-D0F3-4995-9F0A-C4FD9CF8A9F4}"/>
+              </a:ext>
+            </a:extLst>
+          </p:cNvPr>
+          <p:cNvSpPr txBox="1"/>
+          <p:nvPr/>
+        </p:nvSpPr>
+        <p:spPr>
+          <a:xfrm>
+            <a:off x="5342021" y="4646833"/>
+            <a:ext cx="3308773" cy="307777"/>
+          </a:xfrm>
+          <a:prstGeom prst="rect">
+            <a:avLst/>
+          </a:prstGeom>
+          <a:noFill/>
+        </p:spPr>
+        <p:txBody>
+          <a:bodyPr wrap="square" rtlCol="0">
+            <a:spAutoFit/>
+          </a:bodyPr>
+          <a:lstStyle/>
+          <a:p>
+            <a:r>
+              <a:rPr lang="sk-SK" dirty="0">
+                <a:latin typeface="Ubuntu Light" panose="020B0604020202020204" charset="0"/>
+              </a:rPr>
+              <a:t>Je len jedna možnosť?</a:t>
+            </a:r>
+          </a:p>
+        </p:txBody>
+      </p:sp>
+      <p:sp>
+        <p:nvSpPr>
+          <p:cNvPr id="14" name="BlokTextu 13">
+            <a:extLst>
+              <a:ext uri="{FF2B5EF4-FFF2-40B4-BE49-F238E27FC236}">
+                <a16:creationId xmlns:a16="http://schemas.microsoft.com/office/drawing/2014/main" id="{67EEF034-1B4B-4AD3-A0EE-82CAB9B6233A}"/>
+              </a:ext>
+            </a:extLst>
+          </p:cNvPr>
+          <p:cNvSpPr txBox="1"/>
+          <p:nvPr/>
+        </p:nvSpPr>
+        <p:spPr>
+          <a:xfrm>
+            <a:off x="586317" y="4646003"/>
+            <a:ext cx="3308773" cy="307777"/>
+          </a:xfrm>
+          <a:prstGeom prst="rect">
+            <a:avLst/>
+          </a:prstGeom>
+          <a:noFill/>
+        </p:spPr>
+        <p:txBody>
+          <a:bodyPr wrap="square" rtlCol="0">
+            <a:spAutoFit/>
+          </a:bodyPr>
+          <a:lstStyle/>
+          <a:p>
+            <a:r>
+              <a:rPr lang="sk-SK" dirty="0">
+                <a:latin typeface="Ubuntu Light" panose="020B0604020202020204" charset="0"/>
+              </a:rPr>
+              <a:t>Koľko ich v skutočnosti je?</a:t>
+            </a:r>
+          </a:p>
+        </p:txBody>
+      </p:sp>
+    </p:spTree>
+    <p:extLst>
+      <p:ext uri="{BB962C8B-B14F-4D97-AF65-F5344CB8AC3E}">
+        <p14:creationId xmlns:p14="http://schemas.microsoft.com/office/powerpoint/2010/main" val="4202845430"/>
+      </p:ext>
+    </p:extLst>
+  </p:cSld>
+  <p:clrMapOvr>
+    <a:masterClrMapping/>
+  </p:clrMapOvr>
+</p:sld>
+</file>
+
+<file path=ppt/slides/slide7.xml><?xml version="1.0" encoding="utf-8"?>
 <p:sld xmlns:a="http://schemas.openxmlformats.org/drawingml/2006/main" xmlns:r="http://schemas.openxmlformats.org/officeDocument/2006/relationships" xmlns:p="http://schemas.openxmlformats.org/presentationml/2006/main">
   <p:cSld>
     <p:spTree>
@@ -9439,7 +11503,7 @@
             </a:pPr>
             <a:fld id="{00000000-1234-1234-1234-123412341234}" type="slidenum">
               <a:rPr lang="es"/>
-              <a:t>5</a:t>
+              <a:t>7</a:t>
             </a:fld>
             <a:endParaRPr/>
           </a:p>
@@ -9883,7 +11947,7 @@
 </p:sld>
 </file>
 
-<file path=ppt/slides/slide6.xml><?xml version="1.0" encoding="utf-8"?>
+<file path=ppt/slides/slide8.xml><?xml version="1.0" encoding="utf-8"?>
 <p:sld xmlns:a="http://schemas.openxmlformats.org/drawingml/2006/main" xmlns:r="http://schemas.openxmlformats.org/officeDocument/2006/relationships" xmlns:p="http://schemas.openxmlformats.org/presentationml/2006/main">
   <p:cSld>
     <p:spTree>
@@ -10343,7 +12407,7 @@
 </p:sld>
 </file>
 
-<file path=ppt/slides/slide7.xml><?xml version="1.0" encoding="utf-8"?>
+<file path=ppt/slides/slide9.xml><?xml version="1.0" encoding="utf-8"?>
 <p:sld xmlns:a="http://schemas.openxmlformats.org/drawingml/2006/main" xmlns:r="http://schemas.openxmlformats.org/officeDocument/2006/relationships" xmlns:p="http://schemas.openxmlformats.org/presentationml/2006/main">
   <p:cSld>
     <p:spTree>
@@ -10796,934 +12860,6 @@
         <p14:creationId xmlns:p14="http://schemas.microsoft.com/office/powerpoint/2010/main" val="2736107806"/>
       </p:ext>
     </p:extLst>
-  </p:cSld>
-  <p:clrMapOvr>
-    <a:masterClrMapping/>
-  </p:clrMapOvr>
-</p:sld>
-</file>
-
-<file path=ppt/slides/slide8.xml><?xml version="1.0" encoding="utf-8"?>
-<p:sld xmlns:a="http://schemas.openxmlformats.org/drawingml/2006/main" xmlns:r="http://schemas.openxmlformats.org/officeDocument/2006/relationships" xmlns:p="http://schemas.openxmlformats.org/presentationml/2006/main">
-  <p:cSld>
-    <p:spTree>
-      <p:nvGrpSpPr>
-        <p:cNvPr id="1" name=""/>
-        <p:cNvGrpSpPr/>
-        <p:nvPr/>
-      </p:nvGrpSpPr>
-      <p:grpSpPr>
-        <a:xfrm>
-          <a:off x="0" y="0"/>
-          <a:ext cx="0" cy="0"/>
-          <a:chOff x="0" y="0"/>
-          <a:chExt cx="0" cy="0"/>
-        </a:xfrm>
-      </p:grpSpPr>
-      <p:sp>
-        <p:nvSpPr>
-          <p:cNvPr id="3" name="Google Shape;210;p32">
-            <a:extLst>
-              <a:ext uri="{FF2B5EF4-FFF2-40B4-BE49-F238E27FC236}">
-                <a16:creationId xmlns:a16="http://schemas.microsoft.com/office/drawing/2014/main" id="{689848E9-F851-48AC-B123-47EFD54F9B46}"/>
-              </a:ext>
-            </a:extLst>
-          </p:cNvPr>
-          <p:cNvSpPr txBox="1">
-            <a:spLocks/>
-          </p:cNvSpPr>
-          <p:nvPr/>
-        </p:nvSpPr>
-        <p:spPr>
-          <a:xfrm>
-            <a:off x="568619" y="199785"/>
-            <a:ext cx="7614162" cy="686854"/>
-          </a:xfrm>
-          <a:prstGeom prst="rect">
-            <a:avLst/>
-          </a:prstGeom>
-          <a:ln>
-            <a:solidFill>
-              <a:schemeClr val="bg1"/>
-            </a:solidFill>
-          </a:ln>
-        </p:spPr>
-        <p:txBody>
-          <a:bodyPr spcFirstLastPara="1" wrap="square" lIns="91425" tIns="91425" rIns="91425" bIns="91425" anchor="b" anchorCtr="0">
-            <a:noAutofit/>
-          </a:bodyPr>
-          <a:lstStyle>
-            <a:defPPr marR="0" lvl="0" algn="l" rtl="0">
-              <a:lnSpc>
-                <a:spcPct val="100000"/>
-              </a:lnSpc>
-              <a:spcBef>
-                <a:spcPts val="0"/>
-              </a:spcBef>
-              <a:spcAft>
-                <a:spcPts val="0"/>
-              </a:spcAft>
-            </a:defPPr>
-            <a:lvl1pPr marR="0" lvl="0" algn="l" rtl="0">
-              <a:lnSpc>
-                <a:spcPct val="100000"/>
-              </a:lnSpc>
-              <a:spcBef>
-                <a:spcPts val="0"/>
-              </a:spcBef>
-              <a:spcAft>
-                <a:spcPts val="0"/>
-              </a:spcAft>
-              <a:buClr>
-                <a:srgbClr val="000000"/>
-              </a:buClr>
-              <a:buFont typeface="Arial"/>
-              <a:defRPr sz="1400" b="0" i="0" u="none" strike="noStrike" cap="none">
-                <a:solidFill>
-                  <a:srgbClr val="000000"/>
-                </a:solidFill>
-                <a:latin typeface="Arial"/>
-                <a:ea typeface="Arial"/>
-                <a:cs typeface="Arial"/>
-                <a:sym typeface="Arial"/>
-              </a:defRPr>
-            </a:lvl1pPr>
-            <a:lvl2pPr marR="0" lvl="1" algn="l" rtl="0">
-              <a:lnSpc>
-                <a:spcPct val="100000"/>
-              </a:lnSpc>
-              <a:spcBef>
-                <a:spcPts val="0"/>
-              </a:spcBef>
-              <a:spcAft>
-                <a:spcPts val="0"/>
-              </a:spcAft>
-              <a:buClr>
-                <a:srgbClr val="000000"/>
-              </a:buClr>
-              <a:buFont typeface="Arial"/>
-              <a:defRPr sz="1400" b="0" i="0" u="none" strike="noStrike" cap="none">
-                <a:solidFill>
-                  <a:srgbClr val="000000"/>
-                </a:solidFill>
-                <a:latin typeface="Arial"/>
-                <a:ea typeface="Arial"/>
-                <a:cs typeface="Arial"/>
-                <a:sym typeface="Arial"/>
-              </a:defRPr>
-            </a:lvl2pPr>
-            <a:lvl3pPr marR="0" lvl="2" algn="l" rtl="0">
-              <a:lnSpc>
-                <a:spcPct val="100000"/>
-              </a:lnSpc>
-              <a:spcBef>
-                <a:spcPts val="0"/>
-              </a:spcBef>
-              <a:spcAft>
-                <a:spcPts val="0"/>
-              </a:spcAft>
-              <a:buClr>
-                <a:srgbClr val="000000"/>
-              </a:buClr>
-              <a:buFont typeface="Arial"/>
-              <a:defRPr sz="1400" b="0" i="0" u="none" strike="noStrike" cap="none">
-                <a:solidFill>
-                  <a:srgbClr val="000000"/>
-                </a:solidFill>
-                <a:latin typeface="Arial"/>
-                <a:ea typeface="Arial"/>
-                <a:cs typeface="Arial"/>
-                <a:sym typeface="Arial"/>
-              </a:defRPr>
-            </a:lvl3pPr>
-            <a:lvl4pPr marR="0" lvl="3" algn="l" rtl="0">
-              <a:lnSpc>
-                <a:spcPct val="100000"/>
-              </a:lnSpc>
-              <a:spcBef>
-                <a:spcPts val="0"/>
-              </a:spcBef>
-              <a:spcAft>
-                <a:spcPts val="0"/>
-              </a:spcAft>
-              <a:buClr>
-                <a:srgbClr val="000000"/>
-              </a:buClr>
-              <a:buFont typeface="Arial"/>
-              <a:defRPr sz="1400" b="0" i="0" u="none" strike="noStrike" cap="none">
-                <a:solidFill>
-                  <a:srgbClr val="000000"/>
-                </a:solidFill>
-                <a:latin typeface="Arial"/>
-                <a:ea typeface="Arial"/>
-                <a:cs typeface="Arial"/>
-                <a:sym typeface="Arial"/>
-              </a:defRPr>
-            </a:lvl4pPr>
-            <a:lvl5pPr marR="0" lvl="4" algn="l" rtl="0">
-              <a:lnSpc>
-                <a:spcPct val="100000"/>
-              </a:lnSpc>
-              <a:spcBef>
-                <a:spcPts val="0"/>
-              </a:spcBef>
-              <a:spcAft>
-                <a:spcPts val="0"/>
-              </a:spcAft>
-              <a:buClr>
-                <a:srgbClr val="000000"/>
-              </a:buClr>
-              <a:buFont typeface="Arial"/>
-              <a:defRPr sz="1400" b="0" i="0" u="none" strike="noStrike" cap="none">
-                <a:solidFill>
-                  <a:srgbClr val="000000"/>
-                </a:solidFill>
-                <a:latin typeface="Arial"/>
-                <a:ea typeface="Arial"/>
-                <a:cs typeface="Arial"/>
-                <a:sym typeface="Arial"/>
-              </a:defRPr>
-            </a:lvl5pPr>
-            <a:lvl6pPr marR="0" lvl="5" algn="l" rtl="0">
-              <a:lnSpc>
-                <a:spcPct val="100000"/>
-              </a:lnSpc>
-              <a:spcBef>
-                <a:spcPts val="0"/>
-              </a:spcBef>
-              <a:spcAft>
-                <a:spcPts val="0"/>
-              </a:spcAft>
-              <a:buClr>
-                <a:srgbClr val="000000"/>
-              </a:buClr>
-              <a:buFont typeface="Arial"/>
-              <a:defRPr sz="1400" b="0" i="0" u="none" strike="noStrike" cap="none">
-                <a:solidFill>
-                  <a:srgbClr val="000000"/>
-                </a:solidFill>
-                <a:latin typeface="Arial"/>
-                <a:ea typeface="Arial"/>
-                <a:cs typeface="Arial"/>
-                <a:sym typeface="Arial"/>
-              </a:defRPr>
-            </a:lvl6pPr>
-            <a:lvl7pPr marR="0" lvl="6" algn="l" rtl="0">
-              <a:lnSpc>
-                <a:spcPct val="100000"/>
-              </a:lnSpc>
-              <a:spcBef>
-                <a:spcPts val="0"/>
-              </a:spcBef>
-              <a:spcAft>
-                <a:spcPts val="0"/>
-              </a:spcAft>
-              <a:buClr>
-                <a:srgbClr val="000000"/>
-              </a:buClr>
-              <a:buFont typeface="Arial"/>
-              <a:defRPr sz="1400" b="0" i="0" u="none" strike="noStrike" cap="none">
-                <a:solidFill>
-                  <a:srgbClr val="000000"/>
-                </a:solidFill>
-                <a:latin typeface="Arial"/>
-                <a:ea typeface="Arial"/>
-                <a:cs typeface="Arial"/>
-                <a:sym typeface="Arial"/>
-              </a:defRPr>
-            </a:lvl7pPr>
-            <a:lvl8pPr marR="0" lvl="7" algn="l" rtl="0">
-              <a:lnSpc>
-                <a:spcPct val="100000"/>
-              </a:lnSpc>
-              <a:spcBef>
-                <a:spcPts val="0"/>
-              </a:spcBef>
-              <a:spcAft>
-                <a:spcPts val="0"/>
-              </a:spcAft>
-              <a:buClr>
-                <a:srgbClr val="000000"/>
-              </a:buClr>
-              <a:buFont typeface="Arial"/>
-              <a:defRPr sz="1400" b="0" i="0" u="none" strike="noStrike" cap="none">
-                <a:solidFill>
-                  <a:srgbClr val="000000"/>
-                </a:solidFill>
-                <a:latin typeface="Arial"/>
-                <a:ea typeface="Arial"/>
-                <a:cs typeface="Arial"/>
-                <a:sym typeface="Arial"/>
-              </a:defRPr>
-            </a:lvl8pPr>
-            <a:lvl9pPr marR="0" lvl="8" algn="l" rtl="0">
-              <a:lnSpc>
-                <a:spcPct val="100000"/>
-              </a:lnSpc>
-              <a:spcBef>
-                <a:spcPts val="0"/>
-              </a:spcBef>
-              <a:spcAft>
-                <a:spcPts val="0"/>
-              </a:spcAft>
-              <a:buClr>
-                <a:srgbClr val="000000"/>
-              </a:buClr>
-              <a:buFont typeface="Arial"/>
-              <a:defRPr sz="1400" b="0" i="0" u="none" strike="noStrike" cap="none">
-                <a:solidFill>
-                  <a:srgbClr val="000000"/>
-                </a:solidFill>
-                <a:latin typeface="Arial"/>
-                <a:ea typeface="Arial"/>
-                <a:cs typeface="Arial"/>
-                <a:sym typeface="Arial"/>
-              </a:defRPr>
-            </a:lvl9pPr>
-          </a:lstStyle>
-          <a:p>
-            <a:r>
-              <a:rPr lang="sk-SK" sz="2800" b="1" dirty="0">
-                <a:solidFill>
-                  <a:schemeClr val="tx2">
-                    <a:lumMod val="50000"/>
-                  </a:schemeClr>
-                </a:solidFill>
-                <a:latin typeface="Ubuntu" panose="020B0604020202020204" charset="0"/>
-              </a:rPr>
-              <a:t>Testovanie</a:t>
-            </a:r>
-          </a:p>
-        </p:txBody>
-      </p:sp>
-      <p:cxnSp>
-        <p:nvCxnSpPr>
-          <p:cNvPr id="12" name="Google Shape;213;p32">
-            <a:extLst>
-              <a:ext uri="{FF2B5EF4-FFF2-40B4-BE49-F238E27FC236}">
-                <a16:creationId xmlns:a16="http://schemas.microsoft.com/office/drawing/2014/main" id="{8F91F715-39AB-4DCF-8148-3F97B85BA848}"/>
-              </a:ext>
-            </a:extLst>
-          </p:cNvPr>
-          <p:cNvCxnSpPr>
-            <a:cxnSpLocks/>
-          </p:cNvCxnSpPr>
-          <p:nvPr/>
-        </p:nvCxnSpPr>
-        <p:spPr>
-          <a:xfrm flipV="1">
-            <a:off x="686209" y="886639"/>
-            <a:ext cx="1872574" cy="1"/>
-          </a:xfrm>
-          <a:prstGeom prst="straightConnector1">
-            <a:avLst/>
-          </a:prstGeom>
-          <a:noFill/>
-          <a:ln w="76200" cap="flat" cmpd="sng">
-            <a:solidFill>
-              <a:schemeClr val="accent1"/>
-            </a:solidFill>
-            <a:prstDash val="solid"/>
-            <a:round/>
-            <a:headEnd type="none" w="med" len="med"/>
-            <a:tailEnd type="none" w="med" len="med"/>
-          </a:ln>
-        </p:spPr>
-      </p:cxnSp>
-      <p:pic>
-        <p:nvPicPr>
-          <p:cNvPr id="6" name="Obrázok 5" descr="Obrázok, na ktorom je kreslenie&#10;&#10;Automaticky generovaný popis">
-            <a:extLst>
-              <a:ext uri="{FF2B5EF4-FFF2-40B4-BE49-F238E27FC236}">
-                <a16:creationId xmlns:a16="http://schemas.microsoft.com/office/drawing/2014/main" id="{3A019868-922F-4B61-AB7A-968D428E5F4D}"/>
-              </a:ext>
-            </a:extLst>
-          </p:cNvPr>
-          <p:cNvPicPr>
-            <a:picLocks noChangeAspect="1"/>
-          </p:cNvPicPr>
-          <p:nvPr/>
-        </p:nvPicPr>
-        <p:blipFill>
-          <a:blip r:embed="rId2"/>
-          <a:stretch>
-            <a:fillRect/>
-          </a:stretch>
-        </p:blipFill>
-        <p:spPr>
-          <a:xfrm>
-            <a:off x="686209" y="2898321"/>
-            <a:ext cx="3711383" cy="1855692"/>
-          </a:xfrm>
-          <a:prstGeom prst="rect">
-            <a:avLst/>
-          </a:prstGeom>
-        </p:spPr>
-      </p:pic>
-      <p:pic>
-        <p:nvPicPr>
-          <p:cNvPr id="13" name="Obrázok 12">
-            <a:extLst>
-              <a:ext uri="{FF2B5EF4-FFF2-40B4-BE49-F238E27FC236}">
-                <a16:creationId xmlns:a16="http://schemas.microsoft.com/office/drawing/2014/main" id="{055563E6-5AD0-4BD6-9F6F-481116255EEB}"/>
-              </a:ext>
-            </a:extLst>
-          </p:cNvPr>
-          <p:cNvPicPr>
-            <a:picLocks noChangeAspect="1"/>
-          </p:cNvPicPr>
-          <p:nvPr/>
-        </p:nvPicPr>
-        <p:blipFill>
-          <a:blip r:embed="rId3"/>
-          <a:stretch>
-            <a:fillRect/>
-          </a:stretch>
-        </p:blipFill>
-        <p:spPr>
-          <a:xfrm>
-            <a:off x="4746410" y="2876222"/>
-            <a:ext cx="3995697" cy="1899890"/>
-          </a:xfrm>
-          <a:prstGeom prst="rect">
-            <a:avLst/>
-          </a:prstGeom>
-        </p:spPr>
-      </p:pic>
-      <p:sp>
-        <p:nvSpPr>
-          <p:cNvPr id="14" name="BlokTextu 13">
-            <a:extLst>
-              <a:ext uri="{FF2B5EF4-FFF2-40B4-BE49-F238E27FC236}">
-                <a16:creationId xmlns:a16="http://schemas.microsoft.com/office/drawing/2014/main" id="{31880CFE-3B56-4CFD-8EC4-8D17F769EF04}"/>
-              </a:ext>
-            </a:extLst>
-          </p:cNvPr>
-          <p:cNvSpPr txBox="1"/>
-          <p:nvPr/>
-        </p:nvSpPr>
-        <p:spPr>
-          <a:xfrm>
-            <a:off x="686209" y="1175657"/>
-            <a:ext cx="8204218" cy="1477328"/>
-          </a:xfrm>
-          <a:prstGeom prst="rect">
-            <a:avLst/>
-          </a:prstGeom>
-          <a:noFill/>
-        </p:spPr>
-        <p:txBody>
-          <a:bodyPr wrap="square" rtlCol="0">
-            <a:spAutoFit/>
-          </a:bodyPr>
-          <a:lstStyle/>
-          <a:p>
-            <a:r>
-              <a:rPr lang="sk-SK" sz="1800" dirty="0">
-                <a:solidFill>
-                  <a:schemeClr val="tx2"/>
-                </a:solidFill>
-                <a:latin typeface="Ubuntu Light" panose="020B0604020202020204" charset="0"/>
-              </a:rPr>
-              <a:t>-online hodiny cez </a:t>
-            </a:r>
-            <a:r>
-              <a:rPr lang="sk-SK" sz="1800" dirty="0" err="1">
-                <a:solidFill>
-                  <a:schemeClr val="tx2"/>
-                </a:solidFill>
-                <a:latin typeface="Ubuntu Light" panose="020B0604020202020204" charset="0"/>
-              </a:rPr>
-              <a:t>Teams</a:t>
-            </a:r>
-            <a:endParaRPr lang="sk-SK" sz="1800" dirty="0">
-              <a:solidFill>
-                <a:schemeClr val="tx2"/>
-              </a:solidFill>
-              <a:latin typeface="Ubuntu Light" panose="020B0604020202020204" charset="0"/>
-            </a:endParaRPr>
-          </a:p>
-          <a:p>
-            <a:endParaRPr lang="sk-SK" sz="1800" dirty="0">
-              <a:solidFill>
-                <a:schemeClr val="tx2"/>
-              </a:solidFill>
-              <a:latin typeface="Ubuntu Light" panose="020B0604020202020204" charset="0"/>
-            </a:endParaRPr>
-          </a:p>
-          <a:p>
-            <a:r>
-              <a:rPr lang="sk-SK" sz="1800" dirty="0">
-                <a:solidFill>
-                  <a:schemeClr val="tx2"/>
-                </a:solidFill>
-                <a:latin typeface="Ubuntu Light" panose="020B0604020202020204" charset="0"/>
-              </a:rPr>
-              <a:t>-potreba inštruktážneho videa a manuálu na hru</a:t>
-            </a:r>
-          </a:p>
-          <a:p>
-            <a:endParaRPr lang="sk-SK" sz="1800" dirty="0">
-              <a:solidFill>
-                <a:schemeClr val="tx2"/>
-              </a:solidFill>
-              <a:latin typeface="Ubuntu Light" panose="020B0604020202020204" charset="0"/>
-            </a:endParaRPr>
-          </a:p>
-          <a:p>
-            <a:r>
-              <a:rPr lang="sk-SK" sz="1800" dirty="0">
-                <a:solidFill>
-                  <a:schemeClr val="tx2"/>
-                </a:solidFill>
-                <a:latin typeface="Ubuntu Light" panose="020B0604020202020204" charset="0"/>
-              </a:rPr>
-              <a:t>-skutočná cieľová skupina sú vyššie ročníky ako sme mienili</a:t>
-            </a:r>
-          </a:p>
-        </p:txBody>
-      </p:sp>
-    </p:spTree>
-    <p:extLst>
-      <p:ext uri="{BB962C8B-B14F-4D97-AF65-F5344CB8AC3E}">
-        <p14:creationId xmlns:p14="http://schemas.microsoft.com/office/powerpoint/2010/main" val="2108484316"/>
-      </p:ext>
-    </p:extLst>
-  </p:cSld>
-  <p:clrMapOvr>
-    <a:masterClrMapping/>
-  </p:clrMapOvr>
-</p:sld>
-</file>
-
-<file path=ppt/slides/slide9.xml><?xml version="1.0" encoding="utf-8"?>
-<p:sld xmlns:a="http://schemas.openxmlformats.org/drawingml/2006/main" xmlns:r="http://schemas.openxmlformats.org/officeDocument/2006/relationships" xmlns:p="http://schemas.openxmlformats.org/presentationml/2006/main">
-  <p:cSld>
-    <p:spTree>
-      <p:nvGrpSpPr>
-        <p:cNvPr id="1" name="Shape 245"/>
-        <p:cNvGrpSpPr/>
-        <p:nvPr/>
-      </p:nvGrpSpPr>
-      <p:grpSpPr>
-        <a:xfrm>
-          <a:off x="0" y="0"/>
-          <a:ext cx="0" cy="0"/>
-          <a:chOff x="0" y="0"/>
-          <a:chExt cx="0" cy="0"/>
-        </a:xfrm>
-      </p:grpSpPr>
-      <p:sp>
-        <p:nvSpPr>
-          <p:cNvPr id="246" name="Google Shape;246;p37"/>
-          <p:cNvSpPr txBox="1">
-            <a:spLocks noGrp="1"/>
-          </p:cNvSpPr>
-          <p:nvPr>
-            <p:ph type="title" idx="4"/>
-          </p:nvPr>
-        </p:nvSpPr>
-        <p:spPr>
-          <a:xfrm>
-            <a:off x="-11850" y="927075"/>
-            <a:ext cx="9144000" cy="482400"/>
-          </a:xfrm>
-          <a:prstGeom prst="rect">
-            <a:avLst/>
-          </a:prstGeom>
-        </p:spPr>
-        <p:txBody>
-          <a:bodyPr spcFirstLastPara="1" wrap="square" lIns="91425" tIns="91425" rIns="91425" bIns="91425" anchor="t" anchorCtr="0">
-            <a:noAutofit/>
-          </a:bodyPr>
-          <a:lstStyle/>
-          <a:p>
-            <a:pPr marL="0" lvl="0" indent="0" algn="ctr" rtl="0">
-              <a:spcBef>
-                <a:spcPts val="0"/>
-              </a:spcBef>
-              <a:spcAft>
-                <a:spcPts val="0"/>
-              </a:spcAft>
-              <a:buNone/>
-            </a:pPr>
-            <a:r>
-              <a:rPr lang="sk-SK" sz="2400" dirty="0"/>
-              <a:t>Prínosy</a:t>
-            </a:r>
-            <a:endParaRPr sz="2400" dirty="0"/>
-          </a:p>
-        </p:txBody>
-      </p:sp>
-      <p:sp>
-        <p:nvSpPr>
-          <p:cNvPr id="247" name="Google Shape;247;p37"/>
-          <p:cNvSpPr txBox="1">
-            <a:spLocks noGrp="1"/>
-          </p:cNvSpPr>
-          <p:nvPr>
-            <p:ph type="sldNum" idx="12"/>
-          </p:nvPr>
-        </p:nvSpPr>
-        <p:spPr>
-          <a:xfrm>
-            <a:off x="8548658" y="4663217"/>
-            <a:ext cx="548700" cy="393600"/>
-          </a:xfrm>
-          <a:prstGeom prst="rect">
-            <a:avLst/>
-          </a:prstGeom>
-        </p:spPr>
-        <p:txBody>
-          <a:bodyPr spcFirstLastPara="1" wrap="square" lIns="91425" tIns="91425" rIns="91425" bIns="91425" anchor="ctr" anchorCtr="0">
-            <a:noAutofit/>
-          </a:bodyPr>
-          <a:lstStyle/>
-          <a:p>
-            <a:pPr marL="0" lvl="0" indent="0" algn="l" rtl="0">
-              <a:spcBef>
-                <a:spcPts val="0"/>
-              </a:spcBef>
-              <a:spcAft>
-                <a:spcPts val="0"/>
-              </a:spcAft>
-              <a:buNone/>
-            </a:pPr>
-            <a:fld id="{00000000-1234-1234-1234-123412341234}" type="slidenum">
-              <a:rPr lang="es" sz="1200">
-                <a:solidFill>
-                  <a:srgbClr val="CCCCCC"/>
-                </a:solidFill>
-                <a:latin typeface="Arvo"/>
-                <a:ea typeface="Arvo"/>
-                <a:cs typeface="Arvo"/>
-                <a:sym typeface="Arvo"/>
-              </a:rPr>
-              <a:t>9</a:t>
-            </a:fld>
-            <a:endParaRPr sz="1200">
-              <a:solidFill>
-                <a:srgbClr val="CCCCCC"/>
-              </a:solidFill>
-              <a:latin typeface="Arvo"/>
-              <a:ea typeface="Arvo"/>
-              <a:cs typeface="Arvo"/>
-              <a:sym typeface="Arvo"/>
-            </a:endParaRPr>
-          </a:p>
-        </p:txBody>
-      </p:sp>
-      <p:cxnSp>
-        <p:nvCxnSpPr>
-          <p:cNvPr id="248" name="Google Shape;248;p37"/>
-          <p:cNvCxnSpPr/>
-          <p:nvPr/>
-        </p:nvCxnSpPr>
-        <p:spPr>
-          <a:xfrm>
-            <a:off x="4550550" y="1941425"/>
-            <a:ext cx="0" cy="1927500"/>
-          </a:xfrm>
-          <a:prstGeom prst="straightConnector1">
-            <a:avLst/>
-          </a:prstGeom>
-          <a:noFill/>
-          <a:ln w="38100" cap="flat" cmpd="sng">
-            <a:solidFill>
-              <a:schemeClr val="accent1"/>
-            </a:solidFill>
-            <a:prstDash val="solid"/>
-            <a:round/>
-            <a:headEnd type="none" w="med" len="med"/>
-            <a:tailEnd type="none" w="med" len="med"/>
-          </a:ln>
-        </p:spPr>
-      </p:cxnSp>
-      <p:sp>
-        <p:nvSpPr>
-          <p:cNvPr id="249" name="Google Shape;249;p37"/>
-          <p:cNvSpPr txBox="1">
-            <a:spLocks noGrp="1"/>
-          </p:cNvSpPr>
-          <p:nvPr>
-            <p:ph type="ctrTitle"/>
-          </p:nvPr>
-        </p:nvSpPr>
-        <p:spPr>
-          <a:xfrm>
-            <a:off x="1113228" y="1571550"/>
-            <a:ext cx="3169500" cy="644700"/>
-          </a:xfrm>
-          <a:prstGeom prst="rect">
-            <a:avLst/>
-          </a:prstGeom>
-        </p:spPr>
-        <p:txBody>
-          <a:bodyPr spcFirstLastPara="1" wrap="square" lIns="91425" tIns="91425" rIns="91425" bIns="91425" anchor="b" anchorCtr="0">
-            <a:noAutofit/>
-          </a:bodyPr>
-          <a:lstStyle/>
-          <a:p>
-            <a:pPr marL="0" lvl="0" indent="0" algn="l" rtl="0">
-              <a:spcBef>
-                <a:spcPts val="0"/>
-              </a:spcBef>
-              <a:spcAft>
-                <a:spcPts val="0"/>
-              </a:spcAft>
-              <a:buNone/>
-            </a:pPr>
-            <a:r>
-              <a:rPr lang="sk-SK" b="0" dirty="0">
-                <a:latin typeface="Ubuntu Medium"/>
-                <a:sym typeface="Ubuntu Medium"/>
-              </a:rPr>
-              <a:t>Pre okolie</a:t>
-            </a:r>
-            <a:endParaRPr dirty="0"/>
-          </a:p>
-        </p:txBody>
-      </p:sp>
-      <p:sp>
-        <p:nvSpPr>
-          <p:cNvPr id="250" name="Google Shape;250;p37"/>
-          <p:cNvSpPr txBox="1">
-            <a:spLocks noGrp="1"/>
-          </p:cNvSpPr>
-          <p:nvPr>
-            <p:ph type="subTitle" idx="1"/>
-          </p:nvPr>
-        </p:nvSpPr>
-        <p:spPr>
-          <a:xfrm>
-            <a:off x="1113225" y="2177000"/>
-            <a:ext cx="3101400" cy="2122800"/>
-          </a:xfrm>
-          <a:prstGeom prst="rect">
-            <a:avLst/>
-          </a:prstGeom>
-        </p:spPr>
-        <p:txBody>
-          <a:bodyPr spcFirstLastPara="1" wrap="square" lIns="91425" tIns="91425" rIns="91425" bIns="91425" anchor="t" anchorCtr="0">
-            <a:noAutofit/>
-          </a:bodyPr>
-          <a:lstStyle/>
-          <a:p>
-            <a:pPr marL="285750" lvl="0" indent="-285750" algn="l" rtl="0">
-              <a:spcBef>
-                <a:spcPts val="0"/>
-              </a:spcBef>
-              <a:spcAft>
-                <a:spcPts val="0"/>
-              </a:spcAft>
-              <a:buFontTx/>
-              <a:buChar char="-"/>
-            </a:pPr>
-            <a:r>
-              <a:rPr lang="sk-SK" dirty="0"/>
-              <a:t>Nový prostriedok na zdokonalenie priestorovej predstavivosti</a:t>
-            </a:r>
-          </a:p>
-          <a:p>
-            <a:pPr marL="285750" lvl="0" indent="-285750" algn="l" rtl="0">
-              <a:spcBef>
-                <a:spcPts val="0"/>
-              </a:spcBef>
-              <a:spcAft>
-                <a:spcPts val="0"/>
-              </a:spcAft>
-              <a:buFontTx/>
-              <a:buChar char="-"/>
-            </a:pPr>
-            <a:endParaRPr lang="sk-SK" dirty="0"/>
-          </a:p>
-          <a:p>
-            <a:pPr marL="285750" lvl="0" indent="-285750" algn="l" rtl="0">
-              <a:spcBef>
-                <a:spcPts val="0"/>
-              </a:spcBef>
-              <a:spcAft>
-                <a:spcPts val="0"/>
-              </a:spcAft>
-              <a:buFontTx/>
-              <a:buChar char="-"/>
-            </a:pPr>
-            <a:r>
-              <a:rPr lang="sk-SK" dirty="0"/>
-              <a:t>Obohatenie výučby matematiky </a:t>
-            </a:r>
-            <a:r>
-              <a:rPr lang="sk-SK" dirty="0" err="1"/>
-              <a:t>Hejného</a:t>
-            </a:r>
-            <a:r>
-              <a:rPr lang="sk-SK" dirty="0"/>
-              <a:t> metódou</a:t>
-            </a:r>
-          </a:p>
-          <a:p>
-            <a:pPr marL="285750" lvl="0" indent="-285750" algn="l" rtl="0">
-              <a:spcBef>
-                <a:spcPts val="0"/>
-              </a:spcBef>
-              <a:spcAft>
-                <a:spcPts val="0"/>
-              </a:spcAft>
-              <a:buFontTx/>
-              <a:buChar char="-"/>
-            </a:pPr>
-            <a:endParaRPr lang="sk-SK" dirty="0"/>
-          </a:p>
-          <a:p>
-            <a:pPr marL="285750" lvl="0" indent="-285750" algn="l" rtl="0">
-              <a:spcBef>
-                <a:spcPts val="0"/>
-              </a:spcBef>
-              <a:spcAft>
-                <a:spcPts val="0"/>
-              </a:spcAft>
-              <a:buFontTx/>
-              <a:buChar char="-"/>
-            </a:pPr>
-            <a:r>
-              <a:rPr lang="sk-SK" dirty="0"/>
-              <a:t>Rozpracovanie problematiky a zázemie pre nadstavbu riešenia</a:t>
-            </a:r>
-          </a:p>
-        </p:txBody>
-      </p:sp>
-      <p:sp>
-        <p:nvSpPr>
-          <p:cNvPr id="251" name="Google Shape;251;p37"/>
-          <p:cNvSpPr txBox="1">
-            <a:spLocks noGrp="1"/>
-          </p:cNvSpPr>
-          <p:nvPr>
-            <p:ph type="ctrTitle" idx="2"/>
-          </p:nvPr>
-        </p:nvSpPr>
-        <p:spPr>
-          <a:xfrm>
-            <a:off x="4818378" y="1571550"/>
-            <a:ext cx="3169500" cy="644700"/>
-          </a:xfrm>
-          <a:prstGeom prst="rect">
-            <a:avLst/>
-          </a:prstGeom>
-        </p:spPr>
-        <p:txBody>
-          <a:bodyPr spcFirstLastPara="1" wrap="square" lIns="91425" tIns="91425" rIns="91425" bIns="91425" anchor="b" anchorCtr="0">
-            <a:noAutofit/>
-          </a:bodyPr>
-          <a:lstStyle/>
-          <a:p>
-            <a:pPr marL="0" lvl="0" indent="0" algn="l" rtl="0">
-              <a:spcBef>
-                <a:spcPts val="0"/>
-              </a:spcBef>
-              <a:spcAft>
-                <a:spcPts val="0"/>
-              </a:spcAft>
-              <a:buNone/>
-            </a:pPr>
-            <a:r>
-              <a:rPr lang="sk-SK" b="0" dirty="0">
-                <a:latin typeface="Ubuntu Medium" panose="020B0604020202020204" charset="0"/>
-              </a:rPr>
-              <a:t>Pre mňa</a:t>
-            </a:r>
-            <a:endParaRPr b="0" dirty="0">
-              <a:latin typeface="Ubuntu Medium" panose="020B0604020202020204" charset="0"/>
-            </a:endParaRPr>
-          </a:p>
-        </p:txBody>
-      </p:sp>
-      <p:sp>
-        <p:nvSpPr>
-          <p:cNvPr id="252" name="Google Shape;252;p37"/>
-          <p:cNvSpPr txBox="1">
-            <a:spLocks noGrp="1"/>
-          </p:cNvSpPr>
-          <p:nvPr>
-            <p:ph type="subTitle" idx="3"/>
-          </p:nvPr>
-        </p:nvSpPr>
-        <p:spPr>
-          <a:xfrm>
-            <a:off x="4818375" y="2177000"/>
-            <a:ext cx="3101400" cy="2122800"/>
-          </a:xfrm>
-          <a:prstGeom prst="rect">
-            <a:avLst/>
-          </a:prstGeom>
-        </p:spPr>
-        <p:txBody>
-          <a:bodyPr spcFirstLastPara="1" wrap="square" lIns="91425" tIns="91425" rIns="91425" bIns="91425" anchor="t" anchorCtr="0">
-            <a:noAutofit/>
-          </a:bodyPr>
-          <a:lstStyle/>
-          <a:p>
-            <a:pPr marL="285750" lvl="0" indent="-285750">
-              <a:buFontTx/>
-              <a:buChar char="-"/>
-            </a:pPr>
-            <a:r>
-              <a:rPr lang="sk-SK" dirty="0"/>
-              <a:t>Oboznámenie s tvorbou v </a:t>
-            </a:r>
-            <a:r>
-              <a:rPr lang="sk-SK" dirty="0" err="1"/>
-              <a:t>Unity</a:t>
-            </a:r>
-            <a:r>
-              <a:rPr lang="sk-SK" dirty="0"/>
-              <a:t> </a:t>
-            </a:r>
-            <a:r>
-              <a:rPr lang="sk-SK" dirty="0" err="1"/>
-              <a:t>Engine</a:t>
-            </a:r>
-            <a:endParaRPr lang="sk-SK" dirty="0"/>
-          </a:p>
-          <a:p>
-            <a:pPr marL="285750" lvl="0" indent="-285750">
-              <a:buFontTx/>
-              <a:buChar char="-"/>
-            </a:pPr>
-            <a:endParaRPr lang="sk-SK" dirty="0"/>
-          </a:p>
-          <a:p>
-            <a:pPr marL="285750" lvl="0" indent="-285750">
-              <a:buFontTx/>
-              <a:buChar char="-"/>
-            </a:pPr>
-            <a:r>
-              <a:rPr lang="sk-SK" dirty="0"/>
-              <a:t>Skúsenosť s tvorbou didaktického softvéru</a:t>
-            </a:r>
-          </a:p>
-          <a:p>
-            <a:pPr marL="0" lvl="0" indent="0"/>
-            <a:endParaRPr lang="sk-SK" dirty="0"/>
-          </a:p>
-          <a:p>
-            <a:pPr marL="285750" lvl="0" indent="-285750">
-              <a:buFontTx/>
-              <a:buChar char="-"/>
-            </a:pPr>
-            <a:r>
-              <a:rPr lang="sk-SK" dirty="0"/>
-              <a:t>Reálny zážitok z testovania </a:t>
-            </a:r>
-            <a:r>
-              <a:rPr lang="sk-SK" dirty="0" err="1"/>
-              <a:t>aplikície</a:t>
-            </a:r>
-            <a:endParaRPr lang="sk-SK" dirty="0"/>
-          </a:p>
-        </p:txBody>
-      </p:sp>
-    </p:spTree>
   </p:cSld>
   <p:clrMapOvr>
     <a:masterClrMapping/>
